--- a/Nove prednasky/P4 Vlastnosti prenosovych funkcii.pptx
+++ b/Nove prednasky/P4 Vlastnosti prenosovych funkcii.pptx
@@ -151,7 +151,7 @@
       </p:ext>
     </p:extLst>
   </p:cmAuthor>
-  <p:cmAuthor id="2" name="Používateľ systému Windows" initials="PsW" lastIdx="22" clrIdx="1">
+  <p:cmAuthor id="2" name="Používateľ systému Windows" initials="PsW" lastIdx="26" clrIdx="1">
     <p:extLst>
       <p:ext uri="{19B8F6BF-5375-455C-9EA6-DF929625EA0E}">
         <p15:presenceInfo xmlns:p15="http://schemas.microsoft.com/office/powerpoint/2012/main" userId="Používateľ systému Windows" providerId="None"/>
@@ -177,10 +177,61 @@
 
 <file path=ppt/comments/comment10.xml><?xml version="1.0" encoding="utf-8"?>
 <p:cmLst xmlns:a="http://schemas.openxmlformats.org/drawingml/2006/main" xmlns:r="http://schemas.openxmlformats.org/officeDocument/2006/relationships" xmlns:p="http://schemas.openxmlformats.org/presentationml/2006/main">
+  <p:cm authorId="2" dt="2019-06-08T16:59:58.502" idx="18">
+    <p:pos x="3207" y="711"/>
+    <p:text>Póly aj vyčísli</p:text>
+    <p:extLst>
+      <p:ext uri="{C676402C-5697-4E1C-873F-D02D1690AC5C}">
+        <p15:threadingInfo xmlns:p15="http://schemas.microsoft.com/office/powerpoint/2012/main" timeZoneBias="-120"/>
+      </p:ext>
+    </p:extLst>
+  </p:cm>
+</p:cmLst>
+</file>
+
+<file path=ppt/comments/comment11.xml><?xml version="1.0" encoding="utf-8"?>
+<p:cmLst xmlns:a="http://schemas.openxmlformats.org/drawingml/2006/main" xmlns:r="http://schemas.openxmlformats.org/officeDocument/2006/relationships" xmlns:p="http://schemas.openxmlformats.org/presentationml/2006/main">
+  <p:cm authorId="2" dt="2019-06-08T16:57:27.075" idx="17">
+    <p:pos x="3316" y="711"/>
+    <p:text>Urči tlmenie systému a vlastnú frekvenciu - už som určil</p:text>
+    <p:extLst mod="1">
+      <p:ext uri="{C676402C-5697-4E1C-873F-D02D1690AC5C}">
+        <p15:threadingInfo xmlns:p15="http://schemas.microsoft.com/office/powerpoint/2012/main" timeZoneBias="-120"/>
+      </p:ext>
+    </p:extLst>
+  </p:cm>
+</p:cmLst>
+</file>
+
+<file path=ppt/comments/comment12.xml><?xml version="1.0" encoding="utf-8"?>
+<p:cmLst xmlns:a="http://schemas.openxmlformats.org/drawingml/2006/main" xmlns:r="http://schemas.openxmlformats.org/officeDocument/2006/relationships" xmlns:p="http://schemas.openxmlformats.org/presentationml/2006/main">
+  <p:cm authorId="2" dt="2019-06-08T16:56:11.449" idx="16">
+    <p:pos x="3316" y="711"/>
+    <p:text>Napíš aj ako súčin koneňov (zátvorky s koreňmi)</p:text>
+    <p:extLst>
+      <p:ext uri="{C676402C-5697-4E1C-873F-D02D1690AC5C}">
+        <p15:threadingInfo xmlns:p15="http://schemas.microsoft.com/office/powerpoint/2012/main" timeZoneBias="-120"/>
+      </p:ext>
+    </p:extLst>
+  </p:cm>
+  <p:cm authorId="2" dt="2019-06-08T17:02:49.231" idx="19">
+    <p:pos x="4779" y="1339"/>
+    <p:text>Vyčísli časové konštanty</p:text>
+    <p:extLst>
+      <p:ext uri="{C676402C-5697-4E1C-873F-D02D1690AC5C}">
+        <p15:threadingInfo xmlns:p15="http://schemas.microsoft.com/office/powerpoint/2012/main" timeZoneBias="-120"/>
+      </p:ext>
+    </p:extLst>
+  </p:cm>
+</p:cmLst>
+</file>
+
+<file path=ppt/comments/comment13.xml><?xml version="1.0" encoding="utf-8"?>
+<p:cmLst xmlns:a="http://schemas.openxmlformats.org/drawingml/2006/main" xmlns:r="http://schemas.openxmlformats.org/officeDocument/2006/relationships" xmlns:p="http://schemas.openxmlformats.org/presentationml/2006/main">
   <p:cm authorId="2" dt="2019-06-08T17:05:16.014" idx="21">
     <p:pos x="5712" y="1543"/>
-    <p:text>Ak vykreslujež nuly a póly odporúčam funkciu pzmap</p:text>
-    <p:extLst>
+    <p:text>Ak vykresluješ nuly a póly odporúčam funkciu pzmap</p:text>
+    <p:extLst mod="1">
       <p:ext uri="{C676402C-5697-4E1C-873F-D02D1690AC5C}">
         <p15:threadingInfo xmlns:p15="http://schemas.microsoft.com/office/powerpoint/2012/main" timeZoneBias="-120"/>
       </p:ext>
@@ -198,7 +249,35 @@
 </p:cmLst>
 </file>
 
+<file path=ppt/comments/comment14.xml><?xml version="1.0" encoding="utf-8"?>
+<p:cmLst xmlns:a="http://schemas.openxmlformats.org/drawingml/2006/main" xmlns:r="http://schemas.openxmlformats.org/officeDocument/2006/relationships" xmlns:p="http://schemas.openxmlformats.org/presentationml/2006/main">
+  <p:cm authorId="2" dt="2019-06-08T20:15:46.594" idx="25">
+    <p:pos x="400" y="1064"/>
+    <p:text>Pekné</p:text>
+    <p:extLst>
+      <p:ext uri="{C676402C-5697-4E1C-873F-D02D1690AC5C}">
+        <p15:threadingInfo xmlns:p15="http://schemas.microsoft.com/office/powerpoint/2012/main" timeZoneBias="-120"/>
+      </p:ext>
+    </p:extLst>
+  </p:cm>
+</p:cmLst>
+</file>
+
 <file path=ppt/comments/comment2.xml><?xml version="1.0" encoding="utf-8"?>
+<p:cmLst xmlns:a="http://schemas.openxmlformats.org/drawingml/2006/main" xmlns:r="http://schemas.openxmlformats.org/officeDocument/2006/relationships" xmlns:p="http://schemas.openxmlformats.org/presentationml/2006/main">
+  <p:cm authorId="2" dt="2019-06-08T20:08:23.247" idx="23">
+    <p:pos x="5007" y="616"/>
+    <p:text>ZDôrazni že každý dynamický systém je frekvenčným filtrom....</p:text>
+    <p:extLst>
+      <p:ext uri="{C676402C-5697-4E1C-873F-D02D1690AC5C}">
+        <p15:threadingInfo xmlns:p15="http://schemas.microsoft.com/office/powerpoint/2012/main" timeZoneBias="-120"/>
+      </p:ext>
+    </p:extLst>
+  </p:cm>
+</p:cmLst>
+</file>
+
+<file path=ppt/comments/comment3.xml><?xml version="1.0" encoding="utf-8"?>
 <p:cmLst xmlns:a="http://schemas.openxmlformats.org/drawingml/2006/main" xmlns:r="http://schemas.openxmlformats.org/officeDocument/2006/relationships" xmlns:p="http://schemas.openxmlformats.org/presentationml/2006/main">
   <p:cm authorId="2" dt="2019-06-08T16:16:06.145" idx="2">
     <p:pos x="10" y="10"/>
@@ -211,8 +290,8 @@
   </p:cm>
   <p:cm authorId="2" dt="2019-06-08T16:51:33.528" idx="14">
     <p:pos x="146" y="146"/>
-    <p:text>Veľmi vhodné by bolo ukázať rovnako ako púri prechodových charakteristikách typické nyqustiy pre prvý rád... druhý rád (kolkými kvadrantami prechádzajú) a určite sprav Nyqusita pre dopravné oneskorenie</p:text>
-    <p:extLst>
+    <p:text>Veľmi vhodné by bolo ukázať rovnako ako pri prechodových charakteristikách typické nyqustiy pre prvý rád... druhý rád (kolkými kvadrantami prechádzajú) a určite sprav Nyqusita pre dopravné oneskorenie</p:text>
+    <p:extLst mod="1">
       <p:ext uri="{C676402C-5697-4E1C-873F-D02D1690AC5C}">
         <p15:threadingInfo xmlns:p15="http://schemas.microsoft.com/office/powerpoint/2012/main" timeZoneBias="-120"/>
       </p:ext>
@@ -221,12 +300,12 @@
 </p:cmLst>
 </file>
 
-<file path=ppt/comments/comment3.xml><?xml version="1.0" encoding="utf-8"?>
+<file path=ppt/comments/comment4.xml><?xml version="1.0" encoding="utf-8"?>
 <p:cmLst xmlns:a="http://schemas.openxmlformats.org/drawingml/2006/main" xmlns:r="http://schemas.openxmlformats.org/officeDocument/2006/relationships" xmlns:p="http://schemas.openxmlformats.org/presentationml/2006/main">
   <p:cm authorId="2" dt="2019-06-08T16:20:27.408" idx="3">
     <p:pos x="5217" y="1292"/>
-    <p:text>Neviem čo tu znamená priesečník... Sprav normálne načisto Bode v Matlabe.... Aj tej prenosovky čo používaš všade</p:text>
-    <p:extLst>
+    <p:text>Neviem čo tu znamená priesečník... Sprav normálne načisto Bode v Matlabe....  tej prenosovky čo používaš všade</p:text>
+    <p:extLst mod="1">
       <p:ext uri="{C676402C-5697-4E1C-873F-D02D1690AC5C}">
         <p15:threadingInfo xmlns:p15="http://schemas.microsoft.com/office/powerpoint/2012/main" timeZoneBias="-120"/>
       </p:ext>
@@ -254,8 +333,8 @@
   </p:cm>
   <p:cm authorId="2" dt="2019-06-08T16:31:34.336" idx="6">
     <p:pos x="146" y="146"/>
-    <p:text>Ďalej zdôrazni význam používania logaritmov ... čo sa stane ak frekvenčnú charakteristiku zlogaritmuješ. Vznik zlomových bodov a prečo bude amplitúdoá charakteristika môcť byť asymtoticky nahradená priamkami - príkald</p:text>
-    <p:extLst>
+    <p:text>Ďalej zdôrazni význam používania logaritmov ... čo sa stane ak frekvenčnú charakteristiku (prveho radu) zlogaritmuješ. Vznik zlomových bodov a prečo bude amplitúdoá charakteristika môcť byť asymtoticky nahradená priamkami - príkald (-20db/dek)</p:text>
+    <p:extLst mod="1">
       <p:ext uri="{C676402C-5697-4E1C-873F-D02D1690AC5C}">
         <p15:threadingInfo xmlns:p15="http://schemas.microsoft.com/office/powerpoint/2012/main" timeZoneBias="-120"/>
       </p:ext>
@@ -264,7 +343,7 @@
 </p:cmLst>
 </file>
 
-<file path=ppt/comments/comment4.xml><?xml version="1.0" encoding="utf-8"?>
+<file path=ppt/comments/comment5.xml><?xml version="1.0" encoding="utf-8"?>
 <p:cmLst xmlns:a="http://schemas.openxmlformats.org/drawingml/2006/main" xmlns:r="http://schemas.openxmlformats.org/officeDocument/2006/relationships" xmlns:p="http://schemas.openxmlformats.org/presentationml/2006/main">
   <p:cm authorId="2" dt="2019-06-08T16:33:27.615" idx="7">
     <p:pos x="3825" y="646"/>
@@ -278,7 +357,7 @@
 </p:cmLst>
 </file>
 
-<file path=ppt/comments/comment5.xml><?xml version="1.0" encoding="utf-8"?>
+<file path=ppt/comments/comment6.xml><?xml version="1.0" encoding="utf-8"?>
 <p:cmLst xmlns:a="http://schemas.openxmlformats.org/drawingml/2006/main" xmlns:r="http://schemas.openxmlformats.org/officeDocument/2006/relationships" xmlns:p="http://schemas.openxmlformats.org/presentationml/2006/main">
   <p:cm authorId="2" dt="2019-06-08T16:42:07.855" idx="8">
     <p:pos x="6304" y="1902"/>
@@ -319,7 +398,7 @@
 </p:cmLst>
 </file>
 
-<file path=ppt/comments/comment6.xml><?xml version="1.0" encoding="utf-8"?>
+<file path=ppt/comments/comment7.xml><?xml version="1.0" encoding="utf-8"?>
 <p:cmLst xmlns:a="http://schemas.openxmlformats.org/drawingml/2006/main" xmlns:r="http://schemas.openxmlformats.org/officeDocument/2006/relationships" xmlns:p="http://schemas.openxmlformats.org/presentationml/2006/main">
   <p:cm authorId="2" dt="2019-06-08T16:53:07.359" idx="15">
     <p:pos x="3544" y="675"/>
@@ -333,25 +412,11 @@
 </p:cmLst>
 </file>
 
-<file path=ppt/comments/comment7.xml><?xml version="1.0" encoding="utf-8"?>
-<p:cmLst xmlns:a="http://schemas.openxmlformats.org/drawingml/2006/main" xmlns:r="http://schemas.openxmlformats.org/officeDocument/2006/relationships" xmlns:p="http://schemas.openxmlformats.org/presentationml/2006/main">
-  <p:cm authorId="2" dt="2019-06-08T16:59:58.502" idx="18">
-    <p:pos x="3207" y="711"/>
-    <p:text>Póly aj vyčísli</p:text>
-    <p:extLst>
-      <p:ext uri="{C676402C-5697-4E1C-873F-D02D1690AC5C}">
-        <p15:threadingInfo xmlns:p15="http://schemas.microsoft.com/office/powerpoint/2012/main" timeZoneBias="-120"/>
-      </p:ext>
-    </p:extLst>
-  </p:cm>
-</p:cmLst>
-</file>
-
 <file path=ppt/comments/comment8.xml><?xml version="1.0" encoding="utf-8"?>
 <p:cmLst xmlns:a="http://schemas.openxmlformats.org/drawingml/2006/main" xmlns:r="http://schemas.openxmlformats.org/officeDocument/2006/relationships" xmlns:p="http://schemas.openxmlformats.org/presentationml/2006/main">
-  <p:cm authorId="2" dt="2019-06-08T16:57:27.075" idx="17">
-    <p:pos x="3316" y="711"/>
-    <p:text>Urči tlmenie systému a vlastnú frekvenciu -</p:text>
+  <p:cm authorId="2" dt="2019-06-08T20:16:11.990" idx="26">
+    <p:pos x="6008" y="998"/>
+    <p:text>Vyber pointu :D</p:text>
     <p:extLst>
       <p:ext uri="{C676402C-5697-4E1C-873F-D02D1690AC5C}">
         <p15:threadingInfo xmlns:p15="http://schemas.microsoft.com/office/powerpoint/2012/main" timeZoneBias="-120"/>
@@ -363,18 +428,9 @@
 
 <file path=ppt/comments/comment9.xml><?xml version="1.0" encoding="utf-8"?>
 <p:cmLst xmlns:a="http://schemas.openxmlformats.org/drawingml/2006/main" xmlns:r="http://schemas.openxmlformats.org/officeDocument/2006/relationships" xmlns:p="http://schemas.openxmlformats.org/presentationml/2006/main">
-  <p:cm authorId="2" dt="2019-06-08T16:56:11.449" idx="16">
-    <p:pos x="3316" y="711"/>
-    <p:text>Napíš aj ako súčin koneňov (zátvorky s koreňmi)</p:text>
-    <p:extLst>
-      <p:ext uri="{C676402C-5697-4E1C-873F-D02D1690AC5C}">
-        <p15:threadingInfo xmlns:p15="http://schemas.microsoft.com/office/powerpoint/2012/main" timeZoneBias="-120"/>
-      </p:ext>
-    </p:extLst>
-  </p:cm>
-  <p:cm authorId="2" dt="2019-06-08T17:02:49.231" idx="19">
-    <p:pos x="4779" y="1339"/>
-    <p:text>Vyčísli časové konštanty</p:text>
+  <p:cm authorId="2" dt="2019-06-08T20:13:08.054" idx="24">
+    <p:pos x="10" y="10"/>
+    <p:text>Vyskúšaj použiť pzmap</p:text>
     <p:extLst>
       <p:ext uri="{C676402C-5697-4E1C-873F-D02D1690AC5C}">
         <p15:threadingInfo xmlns:p15="http://schemas.microsoft.com/office/powerpoint/2012/main" timeZoneBias="-120"/>
@@ -761,7 +817,7 @@
           <p:cNvPr id="11" name="Obrázok 10">
             <a:extLst>
               <a:ext uri="{FF2B5EF4-FFF2-40B4-BE49-F238E27FC236}">
-                <a16:creationId xmlns:a16="http://schemas.microsoft.com/office/drawing/2014/main" xmlns="" id="{D575F8E8-6CC8-49FD-8010-88908C002CDA}"/>
+                <a16:creationId xmlns="" xmlns:a16="http://schemas.microsoft.com/office/drawing/2014/main" id="{D575F8E8-6CC8-49FD-8010-88908C002CDA}"/>
               </a:ext>
             </a:extLst>
           </p:cNvPr>
@@ -797,7 +853,7 @@
           <p:cNvPr id="13" name="Obrázok 12">
             <a:extLst>
               <a:ext uri="{FF2B5EF4-FFF2-40B4-BE49-F238E27FC236}">
-                <a16:creationId xmlns:a16="http://schemas.microsoft.com/office/drawing/2014/main" xmlns="" id="{E0A78DBF-D0B2-42A5-9F1D-0CAC637C7D2D}"/>
+                <a16:creationId xmlns="" xmlns:a16="http://schemas.microsoft.com/office/drawing/2014/main" id="{E0A78DBF-D0B2-42A5-9F1D-0CAC637C7D2D}"/>
               </a:ext>
             </a:extLst>
           </p:cNvPr>
@@ -3757,7 +3813,7 @@
           <p:cNvPr id="2" name="Nadpis 1">
             <a:extLst>
               <a:ext uri="{FF2B5EF4-FFF2-40B4-BE49-F238E27FC236}">
-                <a16:creationId xmlns:a16="http://schemas.microsoft.com/office/drawing/2014/main" xmlns="" id="{8C9FEECD-5BD9-4CA4-ACC1-DA9C1EDD96B6}"/>
+                <a16:creationId xmlns="" xmlns:a16="http://schemas.microsoft.com/office/drawing/2014/main" id="{8C9FEECD-5BD9-4CA4-ACC1-DA9C1EDD96B6}"/>
               </a:ext>
             </a:extLst>
           </p:cNvPr>
@@ -3811,7 +3867,7 @@
           <p:cNvPr id="3" name="Podnadpis 2">
             <a:extLst>
               <a:ext uri="{FF2B5EF4-FFF2-40B4-BE49-F238E27FC236}">
-                <a16:creationId xmlns:a16="http://schemas.microsoft.com/office/drawing/2014/main" xmlns="" id="{313B57F5-B394-40F1-BEAB-F5B71B2FEDE1}"/>
+                <a16:creationId xmlns="" xmlns:a16="http://schemas.microsoft.com/office/drawing/2014/main" id="{313B57F5-B394-40F1-BEAB-F5B71B2FEDE1}"/>
               </a:ext>
             </a:extLst>
           </p:cNvPr>
@@ -3883,7 +3939,7 @@
           <p:cNvPr id="2" name="Nadpis 1">
             <a:extLst>
               <a:ext uri="{FF2B5EF4-FFF2-40B4-BE49-F238E27FC236}">
-                <a16:creationId xmlns:a16="http://schemas.microsoft.com/office/drawing/2014/main" xmlns="" id="{E1D05B0F-4EBC-4E4E-9688-018873A29C27}"/>
+                <a16:creationId xmlns="" xmlns:a16="http://schemas.microsoft.com/office/drawing/2014/main" id="{E1D05B0F-4EBC-4E4E-9688-018873A29C27}"/>
               </a:ext>
             </a:extLst>
           </p:cNvPr>
@@ -3931,7 +3987,7 @@
               <p:cNvPr id="4" name="Zástupný objekt pre obsah 3">
                 <a:extLst>
                   <a:ext uri="{FF2B5EF4-FFF2-40B4-BE49-F238E27FC236}">
-                    <a16:creationId xmlns:a16="http://schemas.microsoft.com/office/drawing/2014/main" xmlns="" id="{42A627E0-AA83-4D1E-A399-C5CB28B5547D}"/>
+                    <a16:creationId xmlns="" xmlns:a16="http://schemas.microsoft.com/office/drawing/2014/main" id="{42A627E0-AA83-4D1E-A399-C5CB28B5547D}"/>
                   </a:ext>
                 </a:extLst>
               </p:cNvPr>
@@ -3960,7 +4016,7 @@
                 </a:pPr>
                 <a:r>
                   <a:rPr lang="sk-SK" dirty="0" smtClean="0"/>
-                  <a:t> Pomer </a:t>
+                  <a:t>Pomer </a:t>
                 </a:r>
                 <a:r>
                   <a:rPr lang="sk-SK" dirty="0" err="1"/>
@@ -4489,7 +4545,20 @@
                 </a:r>
                 <a:r>
                   <a:rPr lang="sk-SK" sz="2100" dirty="0" smtClean="0"/>
-                  <a:t> Práve závislosť výstupnej amplitúdy a fázy od frekvencie určuje frekvenčná charakteristika.</a:t>
+                  <a:t> Práve závislosť výstupnej amplitúdy a fázy od frekvencie určuje frekvenčná charakteristika</a:t>
+                </a:r>
+                <a:r>
+                  <a:rPr lang="sk-SK" sz="2100" dirty="0" smtClean="0"/>
+                  <a:t>.</a:t>
+                </a:r>
+              </a:p>
+              <a:p>
+                <a:pPr marL="0" indent="0">
+                  <a:buNone/>
+                </a:pPr>
+                <a:r>
+                  <a:rPr lang="sk-SK" sz="2100" u="sng" dirty="0" smtClean="0"/>
+                  <a:t>Pri lineárnych systémoch platí, že v spektre výstupného signálu sa môžu objaviť iba frekvencie, ktoré sa nachádzali vo vstupnom signáli. Systém môže zosilniť/zoslabiť iba existujúce frekvencie. </a:t>
                 </a:r>
                 <a:endParaRPr lang="sk-SK" sz="2100" u="sng" dirty="0"/>
               </a:p>
@@ -5338,7 +5407,7 @@
               <p:cNvPr id="4" name="Zástupný objekt pre obsah 3">
                 <a:extLst>
                   <a:ext uri="{FF2B5EF4-FFF2-40B4-BE49-F238E27FC236}">
-                    <a16:creationId xmlns:a16="http://schemas.microsoft.com/office/drawing/2014/main" xmlns:a14="http://schemas.microsoft.com/office/drawing/2010/main" xmlns="" id="{42A627E0-AA83-4D1E-A399-C5CB28B5547D}"/>
+                    <a16:creationId xmlns="" xmlns:a16="http://schemas.microsoft.com/office/drawing/2014/main" xmlns:a14="http://schemas.microsoft.com/office/drawing/2010/main" id="{42A627E0-AA83-4D1E-A399-C5CB28B5547D}"/>
                   </a:ext>
                 </a:extLst>
               </p:cNvPr>
@@ -5381,7 +5450,7 @@
           <p:cNvPr id="11" name="Obrázok 10">
             <a:extLst>
               <a:ext uri="{FF2B5EF4-FFF2-40B4-BE49-F238E27FC236}">
-                <a16:creationId xmlns:a16="http://schemas.microsoft.com/office/drawing/2014/main" xmlns="" id="{579FF656-993B-4C0F-B840-5116B302A53C}"/>
+                <a16:creationId xmlns="" xmlns:a16="http://schemas.microsoft.com/office/drawing/2014/main" id="{579FF656-993B-4C0F-B840-5116B302A53C}"/>
               </a:ext>
             </a:extLst>
           </p:cNvPr>
@@ -5447,7 +5516,7 @@
           <p:cNvPr id="7" name="Obrázok 6">
             <a:extLst>
               <a:ext uri="{FF2B5EF4-FFF2-40B4-BE49-F238E27FC236}">
-                <a16:creationId xmlns:a16="http://schemas.microsoft.com/office/drawing/2014/main" xmlns="" id="{F50B4FE4-E369-410A-840C-F4EC0EB7D043}"/>
+                <a16:creationId xmlns="" xmlns:a16="http://schemas.microsoft.com/office/drawing/2014/main" id="{F50B4FE4-E369-410A-840C-F4EC0EB7D043}"/>
               </a:ext>
             </a:extLst>
           </p:cNvPr>
@@ -5483,7 +5552,7 @@
           <p:cNvPr id="2" name="Nadpis 1">
             <a:extLst>
               <a:ext uri="{FF2B5EF4-FFF2-40B4-BE49-F238E27FC236}">
-                <a16:creationId xmlns:a16="http://schemas.microsoft.com/office/drawing/2014/main" xmlns="" id="{E1D05B0F-4EBC-4E4E-9688-018873A29C27}"/>
+                <a16:creationId xmlns="" xmlns:a16="http://schemas.microsoft.com/office/drawing/2014/main" id="{E1D05B0F-4EBC-4E4E-9688-018873A29C27}"/>
               </a:ext>
             </a:extLst>
           </p:cNvPr>
@@ -5529,7 +5598,7 @@
           <p:cNvPr id="5" name="Zástupný objekt pre obsah 4">
             <a:extLst>
               <a:ext uri="{FF2B5EF4-FFF2-40B4-BE49-F238E27FC236}">
-                <a16:creationId xmlns:a16="http://schemas.microsoft.com/office/drawing/2014/main" xmlns="" id="{737FED5F-2942-45B2-A6C9-2D6EB77E768C}"/>
+                <a16:creationId xmlns="" xmlns:a16="http://schemas.microsoft.com/office/drawing/2014/main" id="{737FED5F-2942-45B2-A6C9-2D6EB77E768C}"/>
               </a:ext>
             </a:extLst>
           </p:cNvPr>
@@ -5559,14 +5628,14 @@
           </a:xfrm>
         </p:spPr>
       </p:pic>
-      <mc:AlternateContent xmlns:mc="http://schemas.openxmlformats.org/markup-compatibility/2006">
-        <mc:Choice xmlns:a14="http://schemas.microsoft.com/office/drawing/2010/main" Requires="a14">
+      <mc:AlternateContent xmlns:mc="http://schemas.openxmlformats.org/markup-compatibility/2006" xmlns:a14="http://schemas.microsoft.com/office/drawing/2010/main">
+        <mc:Choice Requires="a14">
           <p:sp>
             <p:nvSpPr>
               <p:cNvPr id="8" name="Zástupný objekt pre obsah 3">
                 <a:extLst>
                   <a:ext uri="{FF2B5EF4-FFF2-40B4-BE49-F238E27FC236}">
-                    <a16:creationId xmlns:a16="http://schemas.microsoft.com/office/drawing/2014/main" xmlns="" id="{AE2018FB-D875-48F3-9DD0-32D1DE9C38BA}"/>
+                    <a16:creationId xmlns="" xmlns:a16="http://schemas.microsoft.com/office/drawing/2014/main" id="{AE2018FB-D875-48F3-9DD0-32D1DE9C38BA}"/>
                   </a:ext>
                 </a:extLst>
               </p:cNvPr>
@@ -5859,11 +5928,7 @@
                 </a:pPr>
                 <a:r>
                   <a:rPr lang="sk-SK" dirty="0" smtClean="0"/>
-                  <a:t>Simulačne meriame f</a:t>
-                </a:r>
-                <a:r>
-                  <a:rPr lang="sk-SK" dirty="0" smtClean="0"/>
-                  <a:t>rekvenčnú charakteristiku prenosovej funkcie:</a:t>
+                  <a:t>Simulačne meriame frekvenčnú charakteristiku prenosovej funkcie:</a:t>
                 </a:r>
                 <a:endParaRPr lang="sk-SK" dirty="0"/>
               </a:p>
@@ -5909,7 +5974,7 @@
             </p:txBody>
           </p:sp>
         </mc:Choice>
-        <mc:Fallback>
+        <mc:Fallback xmlns="">
           <p:sp>
             <p:nvSpPr>
               <p:cNvPr id="8" name="Zástupný objekt pre obsah 3">
@@ -5959,7 +6024,7 @@
           <p:cNvPr id="9" name="Obdĺžnik 8">
             <a:extLst>
               <a:ext uri="{FF2B5EF4-FFF2-40B4-BE49-F238E27FC236}">
-                <a16:creationId xmlns:a16="http://schemas.microsoft.com/office/drawing/2014/main" xmlns="" id="{04FE30C3-D0E7-4762-85A6-7E75359F646E}"/>
+                <a16:creationId xmlns="" xmlns:a16="http://schemas.microsoft.com/office/drawing/2014/main" id="{04FE30C3-D0E7-4762-85A6-7E75359F646E}"/>
               </a:ext>
             </a:extLst>
           </p:cNvPr>
@@ -6143,7 +6208,7 @@
           <p:cNvPr id="8" name="Obrázok 7">
             <a:extLst>
               <a:ext uri="{FF2B5EF4-FFF2-40B4-BE49-F238E27FC236}">
-                <a16:creationId xmlns:a16="http://schemas.microsoft.com/office/drawing/2014/main" xmlns="" id="{DC7A6EF6-0C42-49CF-8504-565FC50D2A3E}"/>
+                <a16:creationId xmlns="" xmlns:a16="http://schemas.microsoft.com/office/drawing/2014/main" id="{DC7A6EF6-0C42-49CF-8504-565FC50D2A3E}"/>
               </a:ext>
             </a:extLst>
           </p:cNvPr>
@@ -6179,7 +6244,7 @@
           <p:cNvPr id="2" name="Nadpis 1">
             <a:extLst>
               <a:ext uri="{FF2B5EF4-FFF2-40B4-BE49-F238E27FC236}">
-                <a16:creationId xmlns:a16="http://schemas.microsoft.com/office/drawing/2014/main" xmlns="" id="{E84287D7-1C9B-439A-82C6-CE745F5CD88C}"/>
+                <a16:creationId xmlns="" xmlns:a16="http://schemas.microsoft.com/office/drawing/2014/main" id="{E84287D7-1C9B-439A-82C6-CE745F5CD88C}"/>
               </a:ext>
             </a:extLst>
           </p:cNvPr>
@@ -6224,14 +6289,14 @@
           </a:p>
         </p:txBody>
       </p:sp>
-      <mc:AlternateContent xmlns:mc="http://schemas.openxmlformats.org/markup-compatibility/2006">
-        <mc:Choice xmlns:a14="http://schemas.microsoft.com/office/drawing/2010/main" Requires="a14">
+      <mc:AlternateContent xmlns:mc="http://schemas.openxmlformats.org/markup-compatibility/2006" xmlns:a14="http://schemas.microsoft.com/office/drawing/2010/main">
+        <mc:Choice Requires="a14">
           <p:sp>
             <p:nvSpPr>
               <p:cNvPr id="3" name="Zástupný objekt pre obsah 2">
                 <a:extLst>
                   <a:ext uri="{FF2B5EF4-FFF2-40B4-BE49-F238E27FC236}">
-                    <a16:creationId xmlns:a16="http://schemas.microsoft.com/office/drawing/2014/main" xmlns="" id="{54634CF9-F42A-48DC-A4D2-FCF28024398F}"/>
+                    <a16:creationId xmlns="" xmlns:a16="http://schemas.microsoft.com/office/drawing/2014/main" id="{54634CF9-F42A-48DC-A4D2-FCF28024398F}"/>
                   </a:ext>
                 </a:extLst>
               </p:cNvPr>
@@ -6262,11 +6327,7 @@
                 </a:r>
                 <a:r>
                   <a:rPr lang="sk-SK" dirty="0" smtClean="0"/>
-                  <a:t>Je </a:t>
-                </a:r>
-                <a:r>
-                  <a:rPr lang="sk-SK" dirty="0" smtClean="0"/>
-                  <a:t>charakteristika v</a:t>
+                  <a:t>Je charakteristika v</a:t>
                 </a:r>
                 <a:r>
                   <a:rPr lang="en-US" dirty="0" smtClean="0"/>
@@ -6306,7 +6367,6 @@
                   <a:rPr lang="sk-SK" dirty="0" smtClean="0"/>
                   <a:t>Vieme ju presne analyticky vyčísliť pre každú prenosovú funkciu a pre každú frekvenciu– algebra komplexných čísel</a:t>
                 </a:r>
-                <a:endParaRPr lang="sk-SK" dirty="0" smtClean="0"/>
               </a:p>
               <a:p>
                 <a:pPr>
@@ -6429,7 +6489,7 @@
             </p:txBody>
           </p:sp>
         </mc:Choice>
-        <mc:Fallback>
+        <mc:Fallback xmlns="">
           <p:sp>
             <p:nvSpPr>
               <p:cNvPr id="3" name="Zástupný objekt pre obsah 2">
@@ -6478,7 +6538,7 @@
           <p:cNvPr id="6" name="BlokTextu 5">
             <a:extLst>
               <a:ext uri="{FF2B5EF4-FFF2-40B4-BE49-F238E27FC236}">
-                <a16:creationId xmlns:a16="http://schemas.microsoft.com/office/drawing/2014/main" xmlns="" id="{2C9CB7F5-3372-4004-9690-5516942A109B}"/>
+                <a16:creationId xmlns="" xmlns:a16="http://schemas.microsoft.com/office/drawing/2014/main" id="{2C9CB7F5-3372-4004-9690-5516942A109B}"/>
               </a:ext>
             </a:extLst>
           </p:cNvPr>
@@ -6545,7 +6605,7 @@
           <p:cNvPr id="9" name="BlokTextu 8">
             <a:extLst>
               <a:ext uri="{FF2B5EF4-FFF2-40B4-BE49-F238E27FC236}">
-                <a16:creationId xmlns:a16="http://schemas.microsoft.com/office/drawing/2014/main" xmlns="" id="{8F10E7D1-B7F0-45DB-87F1-11AE9177EECD}"/>
+                <a16:creationId xmlns="" xmlns:a16="http://schemas.microsoft.com/office/drawing/2014/main" id="{8F10E7D1-B7F0-45DB-87F1-11AE9177EECD}"/>
               </a:ext>
             </a:extLst>
           </p:cNvPr>
@@ -6575,14 +6635,14 @@
           </a:p>
         </p:txBody>
       </p:sp>
-      <mc:AlternateContent xmlns:mc="http://schemas.openxmlformats.org/markup-compatibility/2006">
-        <mc:Choice xmlns:a14="http://schemas.microsoft.com/office/drawing/2010/main" Requires="a14">
+      <mc:AlternateContent xmlns:mc="http://schemas.openxmlformats.org/markup-compatibility/2006" xmlns:a14="http://schemas.microsoft.com/office/drawing/2010/main">
+        <mc:Choice Requires="a14">
           <p:sp>
             <p:nvSpPr>
               <p:cNvPr id="10" name="BlokTextu 9">
                 <a:extLst>
                   <a:ext uri="{FF2B5EF4-FFF2-40B4-BE49-F238E27FC236}">
-                    <a16:creationId xmlns:a16="http://schemas.microsoft.com/office/drawing/2014/main" xmlns="" id="{7CE27E17-23A6-4D6A-83BE-5D3564D65900}"/>
+                    <a16:creationId xmlns="" xmlns:a16="http://schemas.microsoft.com/office/drawing/2014/main" id="{7CE27E17-23A6-4D6A-83BE-5D3564D65900}"/>
                   </a:ext>
                 </a:extLst>
               </p:cNvPr>
@@ -6627,7 +6687,7 @@
             </p:txBody>
           </p:sp>
         </mc:Choice>
-        <mc:Fallback>
+        <mc:Fallback xmlns="">
           <p:sp>
             <p:nvSpPr>
               <p:cNvPr id="10" name="BlokTextu 9">
@@ -6707,7 +6767,7 @@
           <p:cNvPr id="2" name="Nadpis 1">
             <a:extLst>
               <a:ext uri="{FF2B5EF4-FFF2-40B4-BE49-F238E27FC236}">
-                <a16:creationId xmlns:a16="http://schemas.microsoft.com/office/drawing/2014/main" xmlns="" id="{3EA5CD98-228C-4803-A554-A998F401952F}"/>
+                <a16:creationId xmlns="" xmlns:a16="http://schemas.microsoft.com/office/drawing/2014/main" id="{3EA5CD98-228C-4803-A554-A998F401952F}"/>
               </a:ext>
             </a:extLst>
           </p:cNvPr>
@@ -6755,7 +6815,7 @@
           <p:cNvPr id="4" name="Objekt 3">
             <a:extLst>
               <a:ext uri="{FF2B5EF4-FFF2-40B4-BE49-F238E27FC236}">
-                <a16:creationId xmlns:a16="http://schemas.microsoft.com/office/drawing/2014/main" xmlns="" id="{BDF3745F-A950-4FCA-8AF5-540020E1AFD8}"/>
+                <a16:creationId xmlns="" xmlns:a16="http://schemas.microsoft.com/office/drawing/2014/main" id="{BDF3745F-A950-4FCA-8AF5-540020E1AFD8}"/>
               </a:ext>
             </a:extLst>
           </p:cNvPr>
@@ -6778,7 +6838,7 @@
           <a:graphicData uri="http://schemas.openxmlformats.org/presentationml/2006/ole">
             <mc:AlternateContent xmlns:mc="http://schemas.openxmlformats.org/markup-compatibility/2006">
               <mc:Choice xmlns:v="urn:schemas-microsoft-com:vml" Requires="v">
-                <p:oleObj spid="_x0000_s12312" r:id="rId3" imgW="5276850" imgH="3733800" progId="CorelDraw.Graphic.7">
+                <p:oleObj spid="_x0000_s12316" r:id="rId3" imgW="5276850" imgH="3733800" progId="CorelDraw.Graphic.7">
                   <p:embed/>
                 </p:oleObj>
               </mc:Choice>
@@ -6830,7 +6890,7 @@
               <p:cNvPr id="7" name="Zástupný objekt pre obsah 2">
                 <a:extLst>
                   <a:ext uri="{FF2B5EF4-FFF2-40B4-BE49-F238E27FC236}">
-                    <a16:creationId xmlns:a16="http://schemas.microsoft.com/office/drawing/2014/main" xmlns="" id="{05245192-8D17-42B5-8570-453DF14D24BB}"/>
+                    <a16:creationId xmlns="" xmlns:a16="http://schemas.microsoft.com/office/drawing/2014/main" id="{05245192-8D17-42B5-8570-453DF14D24BB}"/>
                   </a:ext>
                 </a:extLst>
               </p:cNvPr>
@@ -7264,7 +7324,7 @@
           <p:cNvPr id="8" name="BlokTextu 7">
             <a:extLst>
               <a:ext uri="{FF2B5EF4-FFF2-40B4-BE49-F238E27FC236}">
-                <a16:creationId xmlns:a16="http://schemas.microsoft.com/office/drawing/2014/main" xmlns="" id="{4140307A-EC53-4F6F-91EA-53A53CE7FF41}"/>
+                <a16:creationId xmlns="" xmlns:a16="http://schemas.microsoft.com/office/drawing/2014/main" id="{4140307A-EC53-4F6F-91EA-53A53CE7FF41}"/>
               </a:ext>
             </a:extLst>
           </p:cNvPr>
@@ -7497,14 +7557,14 @@
           </a:p>
         </p:txBody>
       </p:sp>
-      <mc:AlternateContent xmlns:mc="http://schemas.openxmlformats.org/markup-compatibility/2006">
-        <mc:Choice xmlns:a14="http://schemas.microsoft.com/office/drawing/2010/main" Requires="a14">
+      <mc:AlternateContent xmlns:mc="http://schemas.openxmlformats.org/markup-compatibility/2006" xmlns:a14="http://schemas.microsoft.com/office/drawing/2010/main">
+        <mc:Choice Requires="a14">
           <p:sp>
             <p:nvSpPr>
               <p:cNvPr id="6" name="Obdĺžnik 5">
                 <a:extLst>
                   <a:ext uri="{FF2B5EF4-FFF2-40B4-BE49-F238E27FC236}">
-                    <a16:creationId xmlns:a16="http://schemas.microsoft.com/office/drawing/2014/main" xmlns="" id="{8FDE2C6D-8C27-4B21-8D84-08BE05BFC938}"/>
+                    <a16:creationId xmlns="" xmlns:a16="http://schemas.microsoft.com/office/drawing/2014/main" id="{8FDE2C6D-8C27-4B21-8D84-08BE05BFC938}"/>
                   </a:ext>
                 </a:extLst>
               </p:cNvPr>
@@ -7691,7 +7751,7 @@
             </p:txBody>
           </p:sp>
         </mc:Choice>
-        <mc:Fallback>
+        <mc:Fallback xmlns="">
           <p:sp>
             <p:nvSpPr>
               <p:cNvPr id="6" name="Obdĺžnik 5">
@@ -7741,7 +7801,7 @@
           <p:cNvPr id="8" name="Obrázok 7">
             <a:extLst>
               <a:ext uri="{FF2B5EF4-FFF2-40B4-BE49-F238E27FC236}">
-                <a16:creationId xmlns:a16="http://schemas.microsoft.com/office/drawing/2014/main" xmlns="" id="{56252088-1FBC-4209-9D76-AB2D440ACF1F}"/>
+                <a16:creationId xmlns="" xmlns:a16="http://schemas.microsoft.com/office/drawing/2014/main" id="{56252088-1FBC-4209-9D76-AB2D440ACF1F}"/>
               </a:ext>
             </a:extLst>
           </p:cNvPr>
@@ -7772,14 +7832,14 @@
           </a:prstGeom>
         </p:spPr>
       </p:pic>
-      <mc:AlternateContent xmlns:mc="http://schemas.openxmlformats.org/markup-compatibility/2006">
-        <mc:Choice xmlns:a14="http://schemas.microsoft.com/office/drawing/2010/main" Requires="a14">
+      <mc:AlternateContent xmlns:mc="http://schemas.openxmlformats.org/markup-compatibility/2006" xmlns:a14="http://schemas.microsoft.com/office/drawing/2010/main">
+        <mc:Choice Requires="a14">
           <p:sp>
             <p:nvSpPr>
               <p:cNvPr id="9" name="Zástupný symbol obsahu 2">
                 <a:extLst>
                   <a:ext uri="{FF2B5EF4-FFF2-40B4-BE49-F238E27FC236}">
-                    <a16:creationId xmlns:a16="http://schemas.microsoft.com/office/drawing/2014/main" xmlns="" id="{E38B7C84-740B-4E2B-A899-A8CEF3D4F74E}"/>
+                    <a16:creationId xmlns="" xmlns:a16="http://schemas.microsoft.com/office/drawing/2014/main" id="{E38B7C84-740B-4E2B-A899-A8CEF3D4F74E}"/>
                   </a:ext>
                 </a:extLst>
               </p:cNvPr>
@@ -7862,73 +7922,99 @@
                 <a14:m>
                   <m:oMath xmlns:m="http://schemas.openxmlformats.org/officeDocument/2006/math">
                     <m:r>
-                      <a:rPr lang="sk-SK" i="1"/>
+                      <a:rPr lang="sk-SK" i="1">
+                        <a:latin typeface="Cambria Math" panose="02040503050406030204" pitchFamily="18" charset="0"/>
+                      </a:rPr>
                       <m:t>𝑦</m:t>
                     </m:r>
                     <m:d>
                       <m:dPr>
                         <m:ctrlPr>
-                          <a:rPr lang="sk-SK" i="1"/>
+                          <a:rPr lang="sk-SK" i="1">
+                            <a:latin typeface="Cambria Math" panose="02040503050406030204" pitchFamily="18" charset="0"/>
+                          </a:rPr>
                         </m:ctrlPr>
                       </m:dPr>
                       <m:e>
                         <m:r>
-                          <a:rPr lang="sk-SK" i="1"/>
+                          <a:rPr lang="sk-SK" i="1">
+                            <a:latin typeface="Cambria Math" panose="02040503050406030204" pitchFamily="18" charset="0"/>
+                          </a:rPr>
                           <m:t>𝑡</m:t>
                         </m:r>
                       </m:e>
                     </m:d>
                     <m:r>
-                      <a:rPr lang="sk-SK" i="1"/>
+                      <a:rPr lang="sk-SK" i="1">
+                        <a:latin typeface="Cambria Math" panose="02040503050406030204" pitchFamily="18" charset="0"/>
+                      </a:rPr>
                       <m:t>=</m:t>
                     </m:r>
                     <m:r>
-                      <a:rPr lang="sk-SK" i="1"/>
+                      <a:rPr lang="sk-SK" i="1">
+                        <a:latin typeface="Cambria Math" panose="02040503050406030204" pitchFamily="18" charset="0"/>
+                      </a:rPr>
                       <m:t>𝐾</m:t>
                     </m:r>
                     <m:d>
                       <m:dPr>
                         <m:ctrlPr>
-                          <a:rPr lang="sk-SK" i="1"/>
+                          <a:rPr lang="sk-SK" i="1">
+                            <a:latin typeface="Cambria Math" panose="02040503050406030204" pitchFamily="18" charset="0"/>
+                          </a:rPr>
                         </m:ctrlPr>
                       </m:dPr>
                       <m:e>
                         <m:r>
-                          <a:rPr lang="sk-SK" i="1"/>
+                          <a:rPr lang="sk-SK" i="1">
+                            <a:latin typeface="Cambria Math" panose="02040503050406030204" pitchFamily="18" charset="0"/>
+                          </a:rPr>
                           <m:t>1−</m:t>
                         </m:r>
                         <m:sSup>
                           <m:sSupPr>
                             <m:ctrlPr>
-                              <a:rPr lang="sk-SK" i="1"/>
+                              <a:rPr lang="sk-SK" i="1">
+                                <a:latin typeface="Cambria Math" panose="02040503050406030204" pitchFamily="18" charset="0"/>
+                              </a:rPr>
                             </m:ctrlPr>
                           </m:sSupPr>
                           <m:e>
                             <m:r>
-                              <a:rPr lang="sk-SK" i="1"/>
+                              <a:rPr lang="sk-SK" i="1">
+                                <a:latin typeface="Cambria Math" panose="02040503050406030204" pitchFamily="18" charset="0"/>
+                              </a:rPr>
                               <m:t>𝑒</m:t>
                             </m:r>
                           </m:e>
                           <m:sup>
                             <m:r>
-                              <a:rPr lang="sk-SK" i="1"/>
+                              <a:rPr lang="sk-SK" i="1">
+                                <a:latin typeface="Cambria Math" panose="02040503050406030204" pitchFamily="18" charset="0"/>
+                              </a:rPr>
                               <m:t>−</m:t>
                             </m:r>
                             <m:f>
                               <m:fPr>
                                 <m:ctrlPr>
-                                  <a:rPr lang="sk-SK" i="1"/>
+                                  <a:rPr lang="sk-SK" i="1">
+                                    <a:latin typeface="Cambria Math" panose="02040503050406030204" pitchFamily="18" charset="0"/>
+                                  </a:rPr>
                                 </m:ctrlPr>
                               </m:fPr>
                               <m:num>
                                 <m:r>
-                                  <a:rPr lang="sk-SK" i="1"/>
+                                  <a:rPr lang="sk-SK" i="1">
+                                    <a:latin typeface="Cambria Math" panose="02040503050406030204" pitchFamily="18" charset="0"/>
+                                  </a:rPr>
                                   <m:t>𝑡</m:t>
                                 </m:r>
                               </m:num>
                               <m:den>
                                 <m:r>
-                                  <a:rPr lang="sk-SK" i="1"/>
+                                  <a:rPr lang="sk-SK" i="1">
+                                    <a:latin typeface="Cambria Math" panose="02040503050406030204" pitchFamily="18" charset="0"/>
+                                  </a:rPr>
                                   <m:t>𝑇</m:t>
                                 </m:r>
                               </m:den>
@@ -7938,24 +8024,32 @@
                       </m:e>
                     </m:d>
                     <m:r>
-                      <a:rPr lang="sk-SK" i="1"/>
+                      <a:rPr lang="sk-SK" i="1">
+                        <a:latin typeface="Cambria Math" panose="02040503050406030204" pitchFamily="18" charset="0"/>
+                      </a:rPr>
                       <m:t>+</m:t>
                     </m:r>
                     <m:sSub>
                       <m:sSubPr>
                         <m:ctrlPr>
-                          <a:rPr lang="sk-SK" i="1"/>
+                          <a:rPr lang="sk-SK" i="1">
+                            <a:latin typeface="Cambria Math" panose="02040503050406030204" pitchFamily="18" charset="0"/>
+                          </a:rPr>
                         </m:ctrlPr>
                       </m:sSubPr>
                       <m:e>
                         <m:r>
-                          <a:rPr lang="sk-SK" i="1"/>
+                          <a:rPr lang="sk-SK" i="1">
+                            <a:latin typeface="Cambria Math" panose="02040503050406030204" pitchFamily="18" charset="0"/>
+                          </a:rPr>
                           <m:t>𝑦</m:t>
                         </m:r>
                       </m:e>
                       <m:sub>
                         <m:r>
-                          <a:rPr lang="sk-SK" i="1"/>
+                          <a:rPr lang="sk-SK" i="1">
+                            <a:latin typeface="Cambria Math" panose="02040503050406030204" pitchFamily="18" charset="0"/>
+                          </a:rPr>
                           <m:t>0</m:t>
                         </m:r>
                       </m:sub>
@@ -7963,35 +8057,47 @@
                     <m:sSup>
                       <m:sSupPr>
                         <m:ctrlPr>
-                          <a:rPr lang="sk-SK" i="1"/>
+                          <a:rPr lang="sk-SK" i="1">
+                            <a:latin typeface="Cambria Math" panose="02040503050406030204" pitchFamily="18" charset="0"/>
+                          </a:rPr>
                         </m:ctrlPr>
                       </m:sSupPr>
                       <m:e>
                         <m:r>
-                          <a:rPr lang="sk-SK" i="1"/>
+                          <a:rPr lang="sk-SK" i="1">
+                            <a:latin typeface="Cambria Math" panose="02040503050406030204" pitchFamily="18" charset="0"/>
+                          </a:rPr>
                           <m:t>𝑒</m:t>
                         </m:r>
                       </m:e>
                       <m:sup>
                         <m:r>
-                          <a:rPr lang="sk-SK" i="1"/>
+                          <a:rPr lang="sk-SK" i="1">
+                            <a:latin typeface="Cambria Math" panose="02040503050406030204" pitchFamily="18" charset="0"/>
+                          </a:rPr>
                           <m:t>−</m:t>
                         </m:r>
                         <m:f>
                           <m:fPr>
                             <m:ctrlPr>
-                              <a:rPr lang="sk-SK" i="1"/>
+                              <a:rPr lang="sk-SK" i="1">
+                                <a:latin typeface="Cambria Math" panose="02040503050406030204" pitchFamily="18" charset="0"/>
+                              </a:rPr>
                             </m:ctrlPr>
                           </m:fPr>
                           <m:num>
                             <m:r>
-                              <a:rPr lang="sk-SK" i="1"/>
+                              <a:rPr lang="sk-SK" i="1">
+                                <a:latin typeface="Cambria Math" panose="02040503050406030204" pitchFamily="18" charset="0"/>
+                              </a:rPr>
                               <m:t>𝑡</m:t>
                             </m:r>
                           </m:num>
                           <m:den>
                             <m:r>
-                              <a:rPr lang="sk-SK" i="1"/>
+                              <a:rPr lang="sk-SK" i="1">
+                                <a:latin typeface="Cambria Math" panose="02040503050406030204" pitchFamily="18" charset="0"/>
+                              </a:rPr>
                               <m:t>𝑇</m:t>
                             </m:r>
                           </m:den>
@@ -8152,18 +8258,14 @@
                 <a:pPr lvl="1"/>
                 <a:r>
                   <a:rPr lang="sk-SK" dirty="0" smtClean="0"/>
-                  <a:t>T menšie = rýchlejšia dynamika</a:t>
-                </a:r>
-                <a:r>
-                  <a:rPr lang="sk-SK" dirty="0" smtClean="0"/>
-                  <a:t> </a:t>
+                  <a:t>T menšie = rýchlejšia dynamika </a:t>
                 </a:r>
                 <a:endParaRPr lang="sk-SK" dirty="0"/>
               </a:p>
             </p:txBody>
           </p:sp>
         </mc:Choice>
-        <mc:Fallback>
+        <mc:Fallback xmlns="">
           <p:sp>
             <p:nvSpPr>
               <p:cNvPr id="9" name="Zástupný symbol obsahu 2">
@@ -8266,14 +8368,14 @@
           </a:p>
         </p:txBody>
       </p:sp>
-      <mc:AlternateContent xmlns:mc="http://schemas.openxmlformats.org/markup-compatibility/2006">
-        <mc:Choice xmlns:a14="http://schemas.microsoft.com/office/drawing/2010/main" Requires="a14">
+      <mc:AlternateContent xmlns:mc="http://schemas.openxmlformats.org/markup-compatibility/2006" xmlns:a14="http://schemas.microsoft.com/office/drawing/2010/main">
+        <mc:Choice Requires="a14">
           <p:sp>
             <p:nvSpPr>
               <p:cNvPr id="6" name="Obdĺžnik 5">
                 <a:extLst>
                   <a:ext uri="{FF2B5EF4-FFF2-40B4-BE49-F238E27FC236}">
-                    <a16:creationId xmlns:a16="http://schemas.microsoft.com/office/drawing/2014/main" xmlns="" id="{8FDE2C6D-8C27-4B21-8D84-08BE05BFC938}"/>
+                    <a16:creationId xmlns="" xmlns:a16="http://schemas.microsoft.com/office/drawing/2014/main" id="{8FDE2C6D-8C27-4B21-8D84-08BE05BFC938}"/>
                   </a:ext>
                 </a:extLst>
               </p:cNvPr>
@@ -8558,7 +8660,7 @@
             </p:txBody>
           </p:sp>
         </mc:Choice>
-        <mc:Fallback>
+        <mc:Fallback xmlns="">
           <p:sp>
             <p:nvSpPr>
               <p:cNvPr id="6" name="Obdĺžnik 5">
@@ -8608,7 +8710,7 @@
           <p:cNvPr id="9" name="Zástupný symbol obsahu 2">
             <a:extLst>
               <a:ext uri="{FF2B5EF4-FFF2-40B4-BE49-F238E27FC236}">
-                <a16:creationId xmlns:a16="http://schemas.microsoft.com/office/drawing/2014/main" xmlns="" id="{E38B7C84-740B-4E2B-A899-A8CEF3D4F74E}"/>
+                <a16:creationId xmlns="" xmlns:a16="http://schemas.microsoft.com/office/drawing/2014/main" id="{E38B7C84-740B-4E2B-A899-A8CEF3D4F74E}"/>
               </a:ext>
             </a:extLst>
           </p:cNvPr>
@@ -8653,19 +8755,24 @@
             </a:r>
           </a:p>
           <a:p>
-            <a:pPr lvl="1"/>
+            <a:pPr marL="544068" lvl="1" indent="-342900">
+              <a:buFont typeface="+mj-lt"/>
+              <a:buAutoNum type="arabicPeriod"/>
+            </a:pPr>
             <a:r>
               <a:rPr lang="sk-SK" dirty="0" smtClean="0"/>
               <a:t>Oba reálne </a:t>
             </a:r>
           </a:p>
           <a:p>
-            <a:pPr lvl="1"/>
+            <a:pPr marL="544068" lvl="1" indent="-342900">
+              <a:buFont typeface="+mj-lt"/>
+              <a:buAutoNum type="arabicPeriod"/>
+            </a:pPr>
             <a:r>
               <a:rPr lang="sk-SK" dirty="0" smtClean="0"/>
               <a:t>Komplexne združené póly</a:t>
             </a:r>
-            <a:endParaRPr lang="sk-SK" dirty="0" smtClean="0"/>
           </a:p>
           <a:p>
             <a:pPr>
@@ -8720,7 +8827,7 @@
           <p:cNvPr id="11" name="Obrázok 10">
             <a:extLst>
               <a:ext uri="{FF2B5EF4-FFF2-40B4-BE49-F238E27FC236}">
-                <a16:creationId xmlns:a16="http://schemas.microsoft.com/office/drawing/2014/main" xmlns="" id="{3E4F98B1-4D6E-451B-AE4C-CBCD01E238B1}"/>
+                <a16:creationId xmlns="" xmlns:a16="http://schemas.microsoft.com/office/drawing/2014/main" id="{3E4F98B1-4D6E-451B-AE4C-CBCD01E238B1}"/>
               </a:ext>
             </a:extLst>
           </p:cNvPr>
@@ -8751,8 +8858,8 @@
           </a:prstGeom>
         </p:spPr>
       </p:pic>
-      <mc:AlternateContent xmlns:mc="http://schemas.openxmlformats.org/markup-compatibility/2006">
-        <mc:Choice xmlns:a14="http://schemas.microsoft.com/office/drawing/2010/main" Requires="a14">
+      <mc:AlternateContent xmlns:mc="http://schemas.openxmlformats.org/markup-compatibility/2006" xmlns:a14="http://schemas.microsoft.com/office/drawing/2010/main">
+        <mc:Choice Requires="a14">
           <p:sp>
             <p:nvSpPr>
               <p:cNvPr id="3" name="Obdĺžnik 2"/>
@@ -8774,6 +8881,7 @@
               </a:bodyPr>
               <a:lstStyle/>
               <a:p>
+                <a:pPr/>
                 <a14:m>
                   <m:oMathPara xmlns:m="http://schemas.openxmlformats.org/officeDocument/2006/math">
                     <m:oMathParaPr>
@@ -9037,7 +9145,7 @@
             </p:txBody>
           </p:sp>
         </mc:Choice>
-        <mc:Fallback>
+        <mc:Fallback xmlns="">
           <p:sp>
             <p:nvSpPr>
               <p:cNvPr id="3" name="Obdĺžnik 2"/>
@@ -9076,8 +9184,8 @@
           </p:sp>
         </mc:Fallback>
       </mc:AlternateContent>
-      <mc:AlternateContent xmlns:mc="http://schemas.openxmlformats.org/markup-compatibility/2006">
-        <mc:Choice xmlns:a14="http://schemas.microsoft.com/office/drawing/2010/main" Requires="a14">
+      <mc:AlternateContent xmlns:mc="http://schemas.openxmlformats.org/markup-compatibility/2006" xmlns:a14="http://schemas.microsoft.com/office/drawing/2010/main">
+        <mc:Choice Requires="a14">
           <p:sp>
             <p:nvSpPr>
               <p:cNvPr id="4" name="Obdĺžnik 3"/>
@@ -9099,6 +9207,7 @@
               </a:bodyPr>
               <a:lstStyle/>
               <a:p>
+                <a:pPr/>
                 <a14:m>
                   <m:oMathPara xmlns:m="http://schemas.openxmlformats.org/officeDocument/2006/math">
                     <m:oMathParaPr>
@@ -9402,7 +9511,7 @@
             </p:txBody>
           </p:sp>
         </mc:Choice>
-        <mc:Fallback>
+        <mc:Fallback xmlns="">
           <p:sp>
             <p:nvSpPr>
               <p:cNvPr id="4" name="Obdĺžnik 3"/>
@@ -9500,14 +9609,14 @@
           </a:p>
         </p:txBody>
       </p:sp>
-      <mc:AlternateContent xmlns:mc="http://schemas.openxmlformats.org/markup-compatibility/2006">
-        <mc:Choice xmlns:a14="http://schemas.microsoft.com/office/drawing/2010/main" Requires="a14">
+      <mc:AlternateContent xmlns:mc="http://schemas.openxmlformats.org/markup-compatibility/2006" xmlns:a14="http://schemas.microsoft.com/office/drawing/2010/main">
+        <mc:Choice Requires="a14">
           <p:sp>
             <p:nvSpPr>
               <p:cNvPr id="6" name="Obdĺžnik 5">
                 <a:extLst>
                   <a:ext uri="{FF2B5EF4-FFF2-40B4-BE49-F238E27FC236}">
-                    <a16:creationId xmlns:a16="http://schemas.microsoft.com/office/drawing/2014/main" xmlns="" id="{8FDE2C6D-8C27-4B21-8D84-08BE05BFC938}"/>
+                    <a16:creationId xmlns="" xmlns:a16="http://schemas.microsoft.com/office/drawing/2014/main" id="{8FDE2C6D-8C27-4B21-8D84-08BE05BFC938}"/>
                   </a:ext>
                 </a:extLst>
               </p:cNvPr>
@@ -9792,7 +9901,7 @@
             </p:txBody>
           </p:sp>
         </mc:Choice>
-        <mc:Fallback>
+        <mc:Fallback xmlns="">
           <p:sp>
             <p:nvSpPr>
               <p:cNvPr id="6" name="Obdĺžnik 5">
@@ -9842,7 +9951,7 @@
           <p:cNvPr id="9" name="Zástupný symbol obsahu 2">
             <a:extLst>
               <a:ext uri="{FF2B5EF4-FFF2-40B4-BE49-F238E27FC236}">
-                <a16:creationId xmlns:a16="http://schemas.microsoft.com/office/drawing/2014/main" xmlns="" id="{E38B7C84-740B-4E2B-A899-A8CEF3D4F74E}"/>
+                <a16:creationId xmlns="" xmlns:a16="http://schemas.microsoft.com/office/drawing/2014/main" id="{E38B7C84-740B-4E2B-A899-A8CEF3D4F74E}"/>
               </a:ext>
             </a:extLst>
           </p:cNvPr>
@@ -9892,7 +10001,7 @@
           <p:cNvPr id="4" name="Obrázok 3">
             <a:extLst>
               <a:ext uri="{FF2B5EF4-FFF2-40B4-BE49-F238E27FC236}">
-                <a16:creationId xmlns:a16="http://schemas.microsoft.com/office/drawing/2014/main" xmlns="" id="{6747E6DD-1906-448B-9F29-738BDFDBCD8F}"/>
+                <a16:creationId xmlns="" xmlns:a16="http://schemas.microsoft.com/office/drawing/2014/main" id="{6747E6DD-1906-448B-9F29-738BDFDBCD8F}"/>
               </a:ext>
             </a:extLst>
           </p:cNvPr>
@@ -9989,7 +10098,7 @@
               <p:cNvPr id="6" name="Obdĺžnik 5">
                 <a:extLst>
                   <a:ext uri="{FF2B5EF4-FFF2-40B4-BE49-F238E27FC236}">
-                    <a16:creationId xmlns:a16="http://schemas.microsoft.com/office/drawing/2014/main" xmlns="" id="{8FDE2C6D-8C27-4B21-8D84-08BE05BFC938}"/>
+                    <a16:creationId xmlns="" xmlns:a16="http://schemas.microsoft.com/office/drawing/2014/main" id="{8FDE2C6D-8C27-4B21-8D84-08BE05BFC938}"/>
                   </a:ext>
                 </a:extLst>
               </p:cNvPr>
@@ -10269,7 +10378,7 @@
           <p:cNvPr id="9" name="Zástupný symbol obsahu 2">
             <a:extLst>
               <a:ext uri="{FF2B5EF4-FFF2-40B4-BE49-F238E27FC236}">
-                <a16:creationId xmlns:a16="http://schemas.microsoft.com/office/drawing/2014/main" xmlns="" id="{E38B7C84-740B-4E2B-A899-A8CEF3D4F74E}"/>
+                <a16:creationId xmlns="" xmlns:a16="http://schemas.microsoft.com/office/drawing/2014/main" id="{E38B7C84-740B-4E2B-A899-A8CEF3D4F74E}"/>
               </a:ext>
             </a:extLst>
           </p:cNvPr>
@@ -10323,7 +10432,7 @@
           <p:cNvPr id="5" name="Obrázok 4">
             <a:extLst>
               <a:ext uri="{FF2B5EF4-FFF2-40B4-BE49-F238E27FC236}">
-                <a16:creationId xmlns:a16="http://schemas.microsoft.com/office/drawing/2014/main" xmlns="" id="{78E50E99-1482-4B59-9259-D1D0294B2AA2}"/>
+                <a16:creationId xmlns="" xmlns:a16="http://schemas.microsoft.com/office/drawing/2014/main" id="{78E50E99-1482-4B59-9259-D1D0294B2AA2}"/>
               </a:ext>
             </a:extLst>
           </p:cNvPr>
@@ -10527,8 +10636,12 @@
               <a:buChar char="•"/>
             </a:pPr>
             <a:r>
+              <a:rPr lang="sk-SK" b="1" dirty="0" smtClean="0"/>
+              <a:t>Reálna zložka </a:t>
+            </a:r>
+            <a:r>
               <a:rPr lang="sk-SK" dirty="0" smtClean="0"/>
-              <a:t>Reálna zložka pólov je zodpovedná za aperiodické prechodové deje</a:t>
+              <a:t>pólov je zodpovedná za aperiodické prechodové deje</a:t>
             </a:r>
           </a:p>
           <a:p>
@@ -10537,8 +10650,12 @@
               <a:buChar char="•"/>
             </a:pPr>
             <a:r>
+              <a:rPr lang="sk-SK" b="1" dirty="0" smtClean="0"/>
+              <a:t>Imaginárna zložka</a:t>
+            </a:r>
+            <a:r>
               <a:rPr lang="sk-SK" dirty="0" smtClean="0"/>
-              <a:t>Imaginárna zložka pólov je zodpovedná za kmitavú zložku priebehu</a:t>
+              <a:t> pólov je zodpovedná za kmitavú zložku priebehu</a:t>
             </a:r>
             <a:endParaRPr lang="sk-SK" dirty="0"/>
           </a:p>
@@ -10556,7 +10673,7 @@
           <p:cNvPr id="3078" name="Picture 6" descr="VÃ½sledok vyhÄ¾adÃ¡vania obrÃ¡zkov pre dopyt komplexna rovina">
             <a:extLst>
               <a:ext uri="{FF2B5EF4-FFF2-40B4-BE49-F238E27FC236}">
-                <a16:creationId xmlns:a16="http://schemas.microsoft.com/office/drawing/2014/main" xmlns="" id="{9DF1743D-36D4-4C63-B103-02D076E221AC}"/>
+                <a16:creationId xmlns="" xmlns:a16="http://schemas.microsoft.com/office/drawing/2014/main" id="{9DF1743D-36D4-4C63-B103-02D076E221AC}"/>
               </a:ext>
             </a:extLst>
           </p:cNvPr>
@@ -10603,7 +10720,7 @@
           <p:cNvPr id="9" name="Nadpis 1">
             <a:extLst>
               <a:ext uri="{FF2B5EF4-FFF2-40B4-BE49-F238E27FC236}">
-                <a16:creationId xmlns:a16="http://schemas.microsoft.com/office/drawing/2014/main" xmlns="" id="{C137A743-90F9-4A0E-A6AC-D29F0EA4EEED}"/>
+                <a16:creationId xmlns="" xmlns:a16="http://schemas.microsoft.com/office/drawing/2014/main" id="{C137A743-90F9-4A0E-A6AC-D29F0EA4EEED}"/>
               </a:ext>
             </a:extLst>
           </p:cNvPr>
@@ -10762,7 +10879,27 @@
             </a:pPr>
             <a:r>
               <a:rPr lang="sk-SK" dirty="0"/>
-              <a:t>Ich priebeh dáva inžinierovi prvotnú informáciu o systéme</a:t>
+              <a:t>Ich </a:t>
+            </a:r>
+            <a:r>
+              <a:rPr lang="sk-SK" dirty="0" smtClean="0"/>
+              <a:t>charakter</a:t>
+            </a:r>
+            <a:r>
+              <a:rPr lang="sk-SK" dirty="0" smtClean="0"/>
+              <a:t> </a:t>
+            </a:r>
+            <a:r>
+              <a:rPr lang="sk-SK" dirty="0"/>
+              <a:t>dáva inžinierovi prvotnú </a:t>
+            </a:r>
+            <a:r>
+              <a:rPr lang="sk-SK" dirty="0" smtClean="0"/>
+              <a:t>základnú predstavu </a:t>
+            </a:r>
+            <a:r>
+              <a:rPr lang="sk-SK" dirty="0"/>
+              <a:t>o systéme</a:t>
             </a:r>
           </a:p>
           <a:p>
@@ -10797,7 +10934,21 @@
             </a:pPr>
             <a:r>
               <a:rPr lang="sk-SK" dirty="0"/>
-              <a:t>Prechodová charakteristika</a:t>
+              <a:t>Prechodová </a:t>
+            </a:r>
+            <a:r>
+              <a:rPr lang="sk-SK" dirty="0" smtClean="0"/>
+              <a:t>charakteristika</a:t>
+            </a:r>
+          </a:p>
+          <a:p>
+            <a:pPr>
+              <a:buFont typeface="Arial" panose="020B0604020202020204" pitchFamily="34" charset="0"/>
+              <a:buChar char="•"/>
+            </a:pPr>
+            <a:r>
+              <a:rPr lang="sk-SK" dirty="0" smtClean="0"/>
+              <a:t>Informácie o vzťahoch medzi vstupom a výstupom</a:t>
             </a:r>
             <a:endParaRPr lang="en-US" dirty="0"/>
           </a:p>
@@ -10827,7 +10978,11 @@
             </a:r>
             <a:r>
               <a:rPr lang="sk-SK" dirty="0" smtClean="0"/>
-              <a:t> charakteristiky:</a:t>
+              <a:t> </a:t>
+            </a:r>
+            <a:r>
+              <a:rPr lang="sk-SK" dirty="0" smtClean="0"/>
+              <a:t>charakteristiky – informácie o frekvenčných vlastnostiach:</a:t>
             </a:r>
             <a:endParaRPr lang="sk-SK" dirty="0"/>
           </a:p>
@@ -11004,7 +11159,7 @@
           <p:cNvPr id="2" name="Nadpis 1">
             <a:extLst>
               <a:ext uri="{FF2B5EF4-FFF2-40B4-BE49-F238E27FC236}">
-                <a16:creationId xmlns:a16="http://schemas.microsoft.com/office/drawing/2014/main" xmlns="" id="{FF2E2EB6-C043-4655-9787-43976F5F4DFD}"/>
+                <a16:creationId xmlns="" xmlns:a16="http://schemas.microsoft.com/office/drawing/2014/main" id="{FF2E2EB6-C043-4655-9787-43976F5F4DFD}"/>
               </a:ext>
             </a:extLst>
           </p:cNvPr>
@@ -11039,7 +11194,7 @@
           <p:cNvPr id="5" name="BlokTextu 4">
             <a:extLst>
               <a:ext uri="{FF2B5EF4-FFF2-40B4-BE49-F238E27FC236}">
-                <a16:creationId xmlns:a16="http://schemas.microsoft.com/office/drawing/2014/main" xmlns="" id="{9A4D8A21-EE73-4BB1-805B-4074F0B58D9E}"/>
+                <a16:creationId xmlns="" xmlns:a16="http://schemas.microsoft.com/office/drawing/2014/main" id="{9A4D8A21-EE73-4BB1-805B-4074F0B58D9E}"/>
               </a:ext>
             </a:extLst>
           </p:cNvPr>
@@ -11073,7 +11228,7 @@
               <p:cNvPr id="6" name="Obdĺžnik 5">
                 <a:extLst>
                   <a:ext uri="{FF2B5EF4-FFF2-40B4-BE49-F238E27FC236}">
-                    <a16:creationId xmlns:a16="http://schemas.microsoft.com/office/drawing/2014/main" xmlns="" id="{EF40F461-A074-402B-BFFD-45D833215C95}"/>
+                    <a16:creationId xmlns="" xmlns:a16="http://schemas.microsoft.com/office/drawing/2014/main" id="{EF40F461-A074-402B-BFFD-45D833215C95}"/>
                   </a:ext>
                 </a:extLst>
               </p:cNvPr>
@@ -11374,7 +11529,7 @@
           <p:cNvPr id="4" name="Obrázok 3">
             <a:extLst>
               <a:ext uri="{FF2B5EF4-FFF2-40B4-BE49-F238E27FC236}">
-                <a16:creationId xmlns:a16="http://schemas.microsoft.com/office/drawing/2014/main" xmlns="" id="{A2E0BFD7-FD15-4C42-8A69-1ED33B6DC143}"/>
+                <a16:creationId xmlns="" xmlns:a16="http://schemas.microsoft.com/office/drawing/2014/main" id="{A2E0BFD7-FD15-4C42-8A69-1ED33B6DC143}"/>
               </a:ext>
             </a:extLst>
           </p:cNvPr>
@@ -11440,7 +11595,7 @@
           <p:cNvPr id="4" name="Obrázok 3">
             <a:extLst>
               <a:ext uri="{FF2B5EF4-FFF2-40B4-BE49-F238E27FC236}">
-                <a16:creationId xmlns:a16="http://schemas.microsoft.com/office/drawing/2014/main" xmlns="" id="{E3C16E40-B8D3-45C7-B376-DA532CB26770}"/>
+                <a16:creationId xmlns="" xmlns:a16="http://schemas.microsoft.com/office/drawing/2014/main" id="{E3C16E40-B8D3-45C7-B376-DA532CB26770}"/>
               </a:ext>
             </a:extLst>
           </p:cNvPr>
@@ -11476,7 +11631,7 @@
           <p:cNvPr id="2" name="Nadpis 1">
             <a:extLst>
               <a:ext uri="{FF2B5EF4-FFF2-40B4-BE49-F238E27FC236}">
-                <a16:creationId xmlns:a16="http://schemas.microsoft.com/office/drawing/2014/main" xmlns="" id="{FF2E2EB6-C043-4655-9787-43976F5F4DFD}"/>
+                <a16:creationId xmlns="" xmlns:a16="http://schemas.microsoft.com/office/drawing/2014/main" id="{FF2E2EB6-C043-4655-9787-43976F5F4DFD}"/>
               </a:ext>
             </a:extLst>
           </p:cNvPr>
@@ -11509,7 +11664,7 @@
           <p:cNvPr id="5" name="BlokTextu 4">
             <a:extLst>
               <a:ext uri="{FF2B5EF4-FFF2-40B4-BE49-F238E27FC236}">
-                <a16:creationId xmlns:a16="http://schemas.microsoft.com/office/drawing/2014/main" xmlns="" id="{9A4D8A21-EE73-4BB1-805B-4074F0B58D9E}"/>
+                <a16:creationId xmlns="" xmlns:a16="http://schemas.microsoft.com/office/drawing/2014/main" id="{9A4D8A21-EE73-4BB1-805B-4074F0B58D9E}"/>
               </a:ext>
             </a:extLst>
           </p:cNvPr>
@@ -11543,7 +11698,7 @@
               <p:cNvPr id="6" name="Obdĺžnik 5">
                 <a:extLst>
                   <a:ext uri="{FF2B5EF4-FFF2-40B4-BE49-F238E27FC236}">
-                    <a16:creationId xmlns:a16="http://schemas.microsoft.com/office/drawing/2014/main" xmlns="" id="{EF40F461-A074-402B-BFFD-45D833215C95}"/>
+                    <a16:creationId xmlns="" xmlns:a16="http://schemas.microsoft.com/office/drawing/2014/main" id="{EF40F461-A074-402B-BFFD-45D833215C95}"/>
                   </a:ext>
                 </a:extLst>
               </p:cNvPr>
@@ -11874,7 +12029,7 @@
           <p:cNvPr id="2" name="Nadpis 1">
             <a:extLst>
               <a:ext uri="{FF2B5EF4-FFF2-40B4-BE49-F238E27FC236}">
-                <a16:creationId xmlns:a16="http://schemas.microsoft.com/office/drawing/2014/main" xmlns="" id="{FF2E2EB6-C043-4655-9787-43976F5F4DFD}"/>
+                <a16:creationId xmlns="" xmlns:a16="http://schemas.microsoft.com/office/drawing/2014/main" id="{FF2E2EB6-C043-4655-9787-43976F5F4DFD}"/>
               </a:ext>
             </a:extLst>
           </p:cNvPr>
@@ -11914,7 +12069,7 @@
           <p:cNvPr id="5" name="BlokTextu 4">
             <a:extLst>
               <a:ext uri="{FF2B5EF4-FFF2-40B4-BE49-F238E27FC236}">
-                <a16:creationId xmlns:a16="http://schemas.microsoft.com/office/drawing/2014/main" xmlns="" id="{9A4D8A21-EE73-4BB1-805B-4074F0B58D9E}"/>
+                <a16:creationId xmlns="" xmlns:a16="http://schemas.microsoft.com/office/drawing/2014/main" id="{9A4D8A21-EE73-4BB1-805B-4074F0B58D9E}"/>
               </a:ext>
             </a:extLst>
           </p:cNvPr>
@@ -11948,7 +12103,7 @@
               <p:cNvPr id="6" name="Obdĺžnik 5">
                 <a:extLst>
                   <a:ext uri="{FF2B5EF4-FFF2-40B4-BE49-F238E27FC236}">
-                    <a16:creationId xmlns:a16="http://schemas.microsoft.com/office/drawing/2014/main" xmlns="" id="{EF40F461-A074-402B-BFFD-45D833215C95}"/>
+                    <a16:creationId xmlns="" xmlns:a16="http://schemas.microsoft.com/office/drawing/2014/main" id="{EF40F461-A074-402B-BFFD-45D833215C95}"/>
                   </a:ext>
                 </a:extLst>
               </p:cNvPr>
@@ -12503,7 +12658,7 @@
           <p:cNvPr id="7" name="Obrázok 6">
             <a:extLst>
               <a:ext uri="{FF2B5EF4-FFF2-40B4-BE49-F238E27FC236}">
-                <a16:creationId xmlns:a16="http://schemas.microsoft.com/office/drawing/2014/main" xmlns="" id="{EEA578C0-C104-4BE1-8D60-2864E7DC6A13}"/>
+                <a16:creationId xmlns="" xmlns:a16="http://schemas.microsoft.com/office/drawing/2014/main" id="{EEA578C0-C104-4BE1-8D60-2864E7DC6A13}"/>
               </a:ext>
             </a:extLst>
           </p:cNvPr>
@@ -12534,8 +12689,8 @@
           </a:prstGeom>
         </p:spPr>
       </p:pic>
-      <mc:AlternateContent xmlns:mc="http://schemas.openxmlformats.org/markup-compatibility/2006">
-        <mc:Choice xmlns:a14="http://schemas.microsoft.com/office/drawing/2010/main" Requires="a14">
+      <mc:AlternateContent xmlns:mc="http://schemas.openxmlformats.org/markup-compatibility/2006" xmlns:a14="http://schemas.microsoft.com/office/drawing/2010/main">
+        <mc:Choice Requires="a14">
           <p:sp>
             <p:nvSpPr>
               <p:cNvPr id="3" name="Obdĺžnik 2"/>
@@ -12699,19 +12854,7 @@
                               </a:solidFill>
                               <a:latin typeface="Cambria Math" panose="02040503050406030204" pitchFamily="18" charset="0"/>
                             </a:rPr>
-                            <m:t>+</m:t>
-                          </m:r>
-                          <m:r>
-                            <a:rPr lang="sk-SK" i="1">
-                              <a:solidFill>
-                                <a:schemeClr val="tx1">
-                                  <a:lumMod val="75000"/>
-                                  <a:lumOff val="25000"/>
-                                </a:schemeClr>
-                              </a:solidFill>
-                              <a:latin typeface="Cambria Math" panose="02040503050406030204" pitchFamily="18" charset="0"/>
-                            </a:rPr>
-                            <m:t>2</m:t>
+                            <m:t>+2</m:t>
                           </m:r>
                           <m:r>
                             <a:rPr lang="sk-SK" i="1">
@@ -12859,7 +13002,6 @@
                 <a:endParaRPr lang="sk-SK" dirty="0" smtClean="0"/>
               </a:p>
               <a:p>
-                <a:pPr/>
                 <a:endParaRPr lang="sk-SK" dirty="0"/>
               </a:p>
               <a:p>
@@ -12971,7 +13113,7 @@
             </p:txBody>
           </p:sp>
         </mc:Choice>
-        <mc:Fallback>
+        <mc:Fallback xmlns="">
           <p:sp>
             <p:nvSpPr>
               <p:cNvPr id="3" name="Obdĺžnik 2"/>
@@ -13045,7 +13187,7 @@
           <p:cNvPr id="2" name="Nadpis 1">
             <a:extLst>
               <a:ext uri="{FF2B5EF4-FFF2-40B4-BE49-F238E27FC236}">
-                <a16:creationId xmlns:a16="http://schemas.microsoft.com/office/drawing/2014/main" xmlns="" id="{FF2E2EB6-C043-4655-9787-43976F5F4DFD}"/>
+                <a16:creationId xmlns="" xmlns:a16="http://schemas.microsoft.com/office/drawing/2014/main" id="{FF2E2EB6-C043-4655-9787-43976F5F4DFD}"/>
               </a:ext>
             </a:extLst>
           </p:cNvPr>
@@ -13085,7 +13227,7 @@
           <p:cNvPr id="5" name="BlokTextu 4">
             <a:extLst>
               <a:ext uri="{FF2B5EF4-FFF2-40B4-BE49-F238E27FC236}">
-                <a16:creationId xmlns:a16="http://schemas.microsoft.com/office/drawing/2014/main" xmlns="" id="{9A4D8A21-EE73-4BB1-805B-4074F0B58D9E}"/>
+                <a16:creationId xmlns="" xmlns:a16="http://schemas.microsoft.com/office/drawing/2014/main" id="{9A4D8A21-EE73-4BB1-805B-4074F0B58D9E}"/>
               </a:ext>
             </a:extLst>
           </p:cNvPr>
@@ -13112,14 +13254,14 @@
           </a:p>
         </p:txBody>
       </p:sp>
-      <mc:AlternateContent xmlns:mc="http://schemas.openxmlformats.org/markup-compatibility/2006">
-        <mc:Choice xmlns:a14="http://schemas.microsoft.com/office/drawing/2010/main" Requires="a14">
+      <mc:AlternateContent xmlns:mc="http://schemas.openxmlformats.org/markup-compatibility/2006" xmlns:a14="http://schemas.microsoft.com/office/drawing/2010/main">
+        <mc:Choice Requires="a14">
           <p:sp>
             <p:nvSpPr>
               <p:cNvPr id="6" name="Obdĺžnik 5">
                 <a:extLst>
                   <a:ext uri="{FF2B5EF4-FFF2-40B4-BE49-F238E27FC236}">
-                    <a16:creationId xmlns:a16="http://schemas.microsoft.com/office/drawing/2014/main" xmlns="" id="{EF40F461-A074-402B-BFFD-45D833215C95}"/>
+                    <a16:creationId xmlns="" xmlns:a16="http://schemas.microsoft.com/office/drawing/2014/main" id="{EF40F461-A074-402B-BFFD-45D833215C95}"/>
                   </a:ext>
                 </a:extLst>
               </p:cNvPr>
@@ -13358,7 +13500,7 @@
             </p:txBody>
           </p:sp>
         </mc:Choice>
-        <mc:Fallback>
+        <mc:Fallback xmlns="">
           <p:sp>
             <p:nvSpPr>
               <p:cNvPr id="6" name="Obdĺžnik 5">
@@ -13408,7 +13550,7 @@
           <p:cNvPr id="7" name="Obrázok 6">
             <a:extLst>
               <a:ext uri="{FF2B5EF4-FFF2-40B4-BE49-F238E27FC236}">
-                <a16:creationId xmlns:a16="http://schemas.microsoft.com/office/drawing/2014/main" xmlns="" id="{AA7EF25C-B9BE-4BEA-AED6-1C729818CE2F}"/>
+                <a16:creationId xmlns="" xmlns:a16="http://schemas.microsoft.com/office/drawing/2014/main" id="{AA7EF25C-B9BE-4BEA-AED6-1C729818CE2F}"/>
               </a:ext>
             </a:extLst>
           </p:cNvPr>
@@ -13474,7 +13616,7 @@
           <p:cNvPr id="2" name="Nadpis 1">
             <a:extLst>
               <a:ext uri="{FF2B5EF4-FFF2-40B4-BE49-F238E27FC236}">
-                <a16:creationId xmlns:a16="http://schemas.microsoft.com/office/drawing/2014/main" xmlns="" id="{FF2E2EB6-C043-4655-9787-43976F5F4DFD}"/>
+                <a16:creationId xmlns="" xmlns:a16="http://schemas.microsoft.com/office/drawing/2014/main" id="{FF2E2EB6-C043-4655-9787-43976F5F4DFD}"/>
               </a:ext>
             </a:extLst>
           </p:cNvPr>
@@ -13507,7 +13649,7 @@
           <p:cNvPr id="5" name="BlokTextu 4">
             <a:extLst>
               <a:ext uri="{FF2B5EF4-FFF2-40B4-BE49-F238E27FC236}">
-                <a16:creationId xmlns:a16="http://schemas.microsoft.com/office/drawing/2014/main" xmlns="" id="{9A4D8A21-EE73-4BB1-805B-4074F0B58D9E}"/>
+                <a16:creationId xmlns="" xmlns:a16="http://schemas.microsoft.com/office/drawing/2014/main" id="{9A4D8A21-EE73-4BB1-805B-4074F0B58D9E}"/>
               </a:ext>
             </a:extLst>
           </p:cNvPr>
@@ -13541,7 +13683,7 @@
               <p:cNvPr id="6" name="Obdĺžnik 5">
                 <a:extLst>
                   <a:ext uri="{FF2B5EF4-FFF2-40B4-BE49-F238E27FC236}">
-                    <a16:creationId xmlns:a16="http://schemas.microsoft.com/office/drawing/2014/main" xmlns="" id="{EF40F461-A074-402B-BFFD-45D833215C95}"/>
+                    <a16:creationId xmlns="" xmlns:a16="http://schemas.microsoft.com/office/drawing/2014/main" id="{EF40F461-A074-402B-BFFD-45D833215C95}"/>
                   </a:ext>
                 </a:extLst>
               </p:cNvPr>
@@ -14024,7 +14166,7 @@
           <p:cNvPr id="7" name="Obrázok 6">
             <a:extLst>
               <a:ext uri="{FF2B5EF4-FFF2-40B4-BE49-F238E27FC236}">
-                <a16:creationId xmlns:a16="http://schemas.microsoft.com/office/drawing/2014/main" xmlns="" id="{87700BE4-1DCD-44FE-979A-F9656D1BDF52}"/>
+                <a16:creationId xmlns="" xmlns:a16="http://schemas.microsoft.com/office/drawing/2014/main" id="{87700BE4-1DCD-44FE-979A-F9656D1BDF52}"/>
               </a:ext>
             </a:extLst>
           </p:cNvPr>
@@ -14055,8 +14197,8 @@
           </a:prstGeom>
         </p:spPr>
       </p:pic>
-      <mc:AlternateContent xmlns:mc="http://schemas.openxmlformats.org/markup-compatibility/2006">
-        <mc:Choice xmlns:a14="http://schemas.microsoft.com/office/drawing/2010/main" Requires="a14">
+      <mc:AlternateContent xmlns:mc="http://schemas.openxmlformats.org/markup-compatibility/2006" xmlns:a14="http://schemas.microsoft.com/office/drawing/2010/main">
+        <mc:Choice Requires="a14">
           <p:sp>
             <p:nvSpPr>
               <p:cNvPr id="3" name="Obdĺžnik 2"/>
@@ -14078,6 +14220,7 @@
               </a:bodyPr>
               <a:lstStyle/>
               <a:p>
+                <a:pPr/>
                 <a14:m>
                   <m:oMathPara xmlns:m="http://schemas.openxmlformats.org/officeDocument/2006/math">
                     <m:oMathParaPr>
@@ -14322,7 +14465,7 @@
             </p:txBody>
           </p:sp>
         </mc:Choice>
-        <mc:Fallback>
+        <mc:Fallback xmlns="">
           <p:sp>
             <p:nvSpPr>
               <p:cNvPr id="3" name="Obdĺžnik 2"/>
@@ -14396,7 +14539,7 @@
           <p:cNvPr id="2" name="Nadpis 1">
             <a:extLst>
               <a:ext uri="{FF2B5EF4-FFF2-40B4-BE49-F238E27FC236}">
-                <a16:creationId xmlns:a16="http://schemas.microsoft.com/office/drawing/2014/main" xmlns="" id="{FF2E2EB6-C043-4655-9787-43976F5F4DFD}"/>
+                <a16:creationId xmlns="" xmlns:a16="http://schemas.microsoft.com/office/drawing/2014/main" id="{FF2E2EB6-C043-4655-9787-43976F5F4DFD}"/>
               </a:ext>
             </a:extLst>
           </p:cNvPr>
@@ -14437,7 +14580,7 @@
           <p:cNvPr id="5" name="BlokTextu 4">
             <a:extLst>
               <a:ext uri="{FF2B5EF4-FFF2-40B4-BE49-F238E27FC236}">
-                <a16:creationId xmlns:a16="http://schemas.microsoft.com/office/drawing/2014/main" xmlns="" id="{9A4D8A21-EE73-4BB1-805B-4074F0B58D9E}"/>
+                <a16:creationId xmlns="" xmlns:a16="http://schemas.microsoft.com/office/drawing/2014/main" id="{9A4D8A21-EE73-4BB1-805B-4074F0B58D9E}"/>
               </a:ext>
             </a:extLst>
           </p:cNvPr>
@@ -14471,7 +14614,7 @@
               <p:cNvPr id="6" name="Obdĺžnik 5">
                 <a:extLst>
                   <a:ext uri="{FF2B5EF4-FFF2-40B4-BE49-F238E27FC236}">
-                    <a16:creationId xmlns:a16="http://schemas.microsoft.com/office/drawing/2014/main" xmlns="" id="{EF40F461-A074-402B-BFFD-45D833215C95}"/>
+                    <a16:creationId xmlns="" xmlns:a16="http://schemas.microsoft.com/office/drawing/2014/main" id="{EF40F461-A074-402B-BFFD-45D833215C95}"/>
                   </a:ext>
                 </a:extLst>
               </p:cNvPr>
@@ -14945,7 +15088,7 @@
           <p:cNvPr id="4" name="Obrázok 3">
             <a:extLst>
               <a:ext uri="{FF2B5EF4-FFF2-40B4-BE49-F238E27FC236}">
-                <a16:creationId xmlns:a16="http://schemas.microsoft.com/office/drawing/2014/main" xmlns="" id="{0B54F12F-4E0B-4E5B-911B-625FE7007BB7}"/>
+                <a16:creationId xmlns="" xmlns:a16="http://schemas.microsoft.com/office/drawing/2014/main" id="{0B54F12F-4E0B-4E5B-911B-625FE7007BB7}"/>
               </a:ext>
             </a:extLst>
           </p:cNvPr>
@@ -15028,14 +15171,14 @@
           </a:p>
         </p:txBody>
       </p:sp>
-      <mc:AlternateContent xmlns:mc="http://schemas.openxmlformats.org/markup-compatibility/2006">
-        <mc:Choice xmlns:a14="http://schemas.microsoft.com/office/drawing/2010/main" Requires="a14">
+      <mc:AlternateContent xmlns:mc="http://schemas.openxmlformats.org/markup-compatibility/2006" xmlns:a14="http://schemas.microsoft.com/office/drawing/2010/main">
+        <mc:Choice Requires="a14">
           <p:sp>
             <p:nvSpPr>
               <p:cNvPr id="9" name="Zástupný symbol obsahu 2">
                 <a:extLst>
                   <a:ext uri="{FF2B5EF4-FFF2-40B4-BE49-F238E27FC236}">
-                    <a16:creationId xmlns:a16="http://schemas.microsoft.com/office/drawing/2014/main" xmlns="" id="{E38B7C84-740B-4E2B-A899-A8CEF3D4F74E}"/>
+                    <a16:creationId xmlns="" xmlns:a16="http://schemas.microsoft.com/office/drawing/2014/main" id="{E38B7C84-740B-4E2B-A899-A8CEF3D4F74E}"/>
                   </a:ext>
                 </a:extLst>
               </p:cNvPr>
@@ -15280,7 +15423,7 @@
             </p:txBody>
           </p:sp>
         </mc:Choice>
-        <mc:Fallback>
+        <mc:Fallback xmlns="">
           <p:sp>
             <p:nvSpPr>
               <p:cNvPr id="9" name="Zástupný symbol obsahu 2">
@@ -15390,7 +15533,7 @@
               <p:cNvPr id="6" name="Obdĺžnik 5">
                 <a:extLst>
                   <a:ext uri="{FF2B5EF4-FFF2-40B4-BE49-F238E27FC236}">
-                    <a16:creationId xmlns:a16="http://schemas.microsoft.com/office/drawing/2014/main" xmlns="" id="{8FDE2C6D-8C27-4B21-8D84-08BE05BFC938}"/>
+                    <a16:creationId xmlns="" xmlns:a16="http://schemas.microsoft.com/office/drawing/2014/main" id="{8FDE2C6D-8C27-4B21-8D84-08BE05BFC938}"/>
                   </a:ext>
                 </a:extLst>
               </p:cNvPr>
@@ -15670,7 +15813,7 @@
           <p:cNvPr id="9" name="Zástupný symbol obsahu 2">
             <a:extLst>
               <a:ext uri="{FF2B5EF4-FFF2-40B4-BE49-F238E27FC236}">
-                <a16:creationId xmlns:a16="http://schemas.microsoft.com/office/drawing/2014/main" xmlns="" id="{E38B7C84-740B-4E2B-A899-A8CEF3D4F74E}"/>
+                <a16:creationId xmlns="" xmlns:a16="http://schemas.microsoft.com/office/drawing/2014/main" id="{E38B7C84-740B-4E2B-A899-A8CEF3D4F74E}"/>
               </a:ext>
             </a:extLst>
           </p:cNvPr>
@@ -15715,7 +15858,7 @@
           <p:cNvPr id="4" name="Obrázok 3">
             <a:extLst>
               <a:ext uri="{FF2B5EF4-FFF2-40B4-BE49-F238E27FC236}">
-                <a16:creationId xmlns:a16="http://schemas.microsoft.com/office/drawing/2014/main" xmlns="" id="{CC9ABD70-742C-4B08-A95D-22072EBBFB89}"/>
+                <a16:creationId xmlns="" xmlns:a16="http://schemas.microsoft.com/office/drawing/2014/main" id="{CC9ABD70-742C-4B08-A95D-22072EBBFB89}"/>
               </a:ext>
             </a:extLst>
           </p:cNvPr>
@@ -15812,7 +15955,7 @@
               <p:cNvPr id="6" name="Obdĺžnik 5">
                 <a:extLst>
                   <a:ext uri="{FF2B5EF4-FFF2-40B4-BE49-F238E27FC236}">
-                    <a16:creationId xmlns:a16="http://schemas.microsoft.com/office/drawing/2014/main" xmlns="" id="{8FDE2C6D-8C27-4B21-8D84-08BE05BFC938}"/>
+                    <a16:creationId xmlns="" xmlns:a16="http://schemas.microsoft.com/office/drawing/2014/main" id="{8FDE2C6D-8C27-4B21-8D84-08BE05BFC938}"/>
                   </a:ext>
                 </a:extLst>
               </p:cNvPr>
@@ -16116,7 +16259,7 @@
           <p:cNvPr id="9" name="Zástupný symbol obsahu 2">
             <a:extLst>
               <a:ext uri="{FF2B5EF4-FFF2-40B4-BE49-F238E27FC236}">
-                <a16:creationId xmlns:a16="http://schemas.microsoft.com/office/drawing/2014/main" xmlns="" id="{E38B7C84-740B-4E2B-A899-A8CEF3D4F74E}"/>
+                <a16:creationId xmlns="" xmlns:a16="http://schemas.microsoft.com/office/drawing/2014/main" id="{E38B7C84-740B-4E2B-A899-A8CEF3D4F74E}"/>
               </a:ext>
             </a:extLst>
           </p:cNvPr>
@@ -16189,8 +16332,13 @@
             </a:r>
             <a:r>
               <a:rPr lang="sk-SK" dirty="0"/>
-              <a:t>ý signál (jednotkový skok) </a:t>
-            </a:r>
+              <a:t>ý </a:t>
+            </a:r>
+            <a:r>
+              <a:rPr lang="sk-SK" dirty="0" smtClean="0"/>
+              <a:t>signál</a:t>
+            </a:r>
+            <a:endParaRPr lang="sk-SK" dirty="0"/>
           </a:p>
         </p:txBody>
       </p:sp>
@@ -16199,7 +16347,7 @@
           <p:cNvPr id="4" name="Obrázok 3">
             <a:extLst>
               <a:ext uri="{FF2B5EF4-FFF2-40B4-BE49-F238E27FC236}">
-                <a16:creationId xmlns:a16="http://schemas.microsoft.com/office/drawing/2014/main" xmlns="" id="{EBEC51D8-FDC7-4055-9DC2-AA23AA8F3FA3}"/>
+                <a16:creationId xmlns="" xmlns:a16="http://schemas.microsoft.com/office/drawing/2014/main" id="{EBEC51D8-FDC7-4055-9DC2-AA23AA8F3FA3}"/>
               </a:ext>
             </a:extLst>
           </p:cNvPr>
@@ -16296,8 +16444,8 @@
           </a:p>
         </p:txBody>
       </p:sp>
-      <mc:AlternateContent xmlns:mc="http://schemas.openxmlformats.org/markup-compatibility/2006" xmlns:a14="http://schemas.microsoft.com/office/drawing/2010/main">
-        <mc:Choice Requires="a14">
+      <mc:AlternateContent xmlns:mc="http://schemas.openxmlformats.org/markup-compatibility/2006">
+        <mc:Choice xmlns:a14="http://schemas.microsoft.com/office/drawing/2010/main" Requires="a14">
           <p:sp>
             <p:nvSpPr>
               <p:cNvPr id="3" name="Zástupný symbol obsahu 2"/>
@@ -16416,7 +16564,7 @@
                     </m:r>
                   </m:oMath>
                 </a14:m>
-                <a:endParaRPr lang="sk-SK" b="0" dirty="0"/>
+                <a:endParaRPr lang="sk-SK" b="0" i="1" dirty="0"/>
               </a:p>
               <a:p>
                 <a:pPr>
@@ -16574,7 +16722,7 @@
             </p:txBody>
           </p:sp>
         </mc:Choice>
-        <mc:Fallback xmlns="">
+        <mc:Fallback>
           <p:sp>
             <p:nvSpPr>
               <p:cNvPr id="3" name="Zástupný symbol obsahu 2"/>
@@ -16674,7 +16822,7 @@
               <p:cNvPr id="6" name="Obdĺžnik 5">
                 <a:extLst>
                   <a:ext uri="{FF2B5EF4-FFF2-40B4-BE49-F238E27FC236}">
-                    <a16:creationId xmlns:a16="http://schemas.microsoft.com/office/drawing/2014/main" xmlns="" id="{8FDE2C6D-8C27-4B21-8D84-08BE05BFC938}"/>
+                    <a16:creationId xmlns="" xmlns:a16="http://schemas.microsoft.com/office/drawing/2014/main" id="{8FDE2C6D-8C27-4B21-8D84-08BE05BFC938}"/>
                   </a:ext>
                 </a:extLst>
               </p:cNvPr>
@@ -17141,7 +17289,7 @@
           <p:cNvPr id="9" name="Zástupný symbol obsahu 2">
             <a:extLst>
               <a:ext uri="{FF2B5EF4-FFF2-40B4-BE49-F238E27FC236}">
-                <a16:creationId xmlns:a16="http://schemas.microsoft.com/office/drawing/2014/main" xmlns="" id="{E38B7C84-740B-4E2B-A899-A8CEF3D4F74E}"/>
+                <a16:creationId xmlns="" xmlns:a16="http://schemas.microsoft.com/office/drawing/2014/main" id="{E38B7C84-740B-4E2B-A899-A8CEF3D4F74E}"/>
               </a:ext>
             </a:extLst>
           </p:cNvPr>
@@ -17169,16 +17317,8 @@
               <a:buChar char="•"/>
             </a:pPr>
             <a:r>
-              <a:rPr lang="sk-SK" dirty="0"/>
-              <a:t> </a:t>
-            </a:r>
-            <a:r>
               <a:rPr lang="sk-SK" dirty="0" smtClean="0"/>
-              <a:t>Hoci</a:t>
-            </a:r>
-            <a:r>
-              <a:rPr lang="sk-SK" dirty="0" smtClean="0"/>
-              <a:t> </a:t>
+              <a:t>Hoci </a:t>
             </a:r>
             <a:r>
               <a:rPr lang="sk-SK" dirty="0"/>
@@ -17191,8 +17331,12 @@
               <a:buChar char="•"/>
             </a:pPr>
             <a:r>
+              <a:rPr lang="sk-SK" dirty="0" smtClean="0"/>
+              <a:t>Póly </a:t>
+            </a:r>
+            <a:r>
               <a:rPr lang="sk-SK" dirty="0"/>
-              <a:t> Póly a nula sú tak blízko seba, že sa navzájom vykompenzujú (vykrátia), preto sa výsledný priebeh podobá skôr na 1. rád </a:t>
+              <a:t>a nula sú tak blízko seba, že sa navzájom vykompenzujú (vykrátia), preto sa výsledný priebeh podobá skôr na 1. rád </a:t>
             </a:r>
           </a:p>
           <a:p>
@@ -17201,8 +17345,12 @@
               <a:buChar char="•"/>
             </a:pPr>
             <a:r>
+              <a:rPr lang="sk-SK" dirty="0" smtClean="0"/>
+              <a:t>Číslo </a:t>
+            </a:r>
+            <a:r>
               <a:rPr lang="sk-SK" dirty="0"/>
-              <a:t> Číslo 0,8 v čitateli je veľmi blízke číslu 1. Ak by sme 0,8 zamenili za 1, mohli by sme čitateľ s menovateľom vykrátiť a vznikol by tak systém prvého rádu</a:t>
+              <a:t>0,8 v čitateli je veľmi blízke číslu 1. Ak by sme 0,8 zamenili za 1, mohli by sme čitateľ s menovateľom vykrátiť a vznikol by tak systém prvého rádu</a:t>
             </a:r>
             <a:r>
               <a:rPr lang="sk-SK" dirty="0" smtClean="0"/>
@@ -17219,7 +17367,6 @@
               <a:rPr lang="sk-SK" u="sng" dirty="0" smtClean="0"/>
               <a:t>Krátenie nestabilných pólov a núl nie je pri prenosových funkciách povolené !!!</a:t>
             </a:r>
-            <a:endParaRPr lang="sk-SK" u="sng" dirty="0" smtClean="0"/>
           </a:p>
         </p:txBody>
       </p:sp>
@@ -17228,7 +17375,7 @@
           <p:cNvPr id="8" name="Obrázok 7">
             <a:extLst>
               <a:ext uri="{FF2B5EF4-FFF2-40B4-BE49-F238E27FC236}">
-                <a16:creationId xmlns:a16="http://schemas.microsoft.com/office/drawing/2014/main" xmlns="" id="{709C6CA1-70B0-4549-9881-3EEA0AAEF2CA}"/>
+                <a16:creationId xmlns="" xmlns:a16="http://schemas.microsoft.com/office/drawing/2014/main" id="{709C6CA1-70B0-4549-9881-3EEA0AAEF2CA}"/>
               </a:ext>
             </a:extLst>
           </p:cNvPr>
@@ -17251,7 +17398,7 @@
         </p:blipFill>
         <p:spPr>
           <a:xfrm>
-            <a:off x="76195" y="3570160"/>
+            <a:off x="18524" y="3759630"/>
             <a:ext cx="8991600" cy="3743325"/>
           </a:xfrm>
           <a:prstGeom prst="rect">
@@ -17325,7 +17472,7 @@
               <p:cNvPr id="6" name="Obdĺžnik 5">
                 <a:extLst>
                   <a:ext uri="{FF2B5EF4-FFF2-40B4-BE49-F238E27FC236}">
-                    <a16:creationId xmlns:a16="http://schemas.microsoft.com/office/drawing/2014/main" xmlns="" id="{8FDE2C6D-8C27-4B21-8D84-08BE05BFC938}"/>
+                    <a16:creationId xmlns="" xmlns:a16="http://schemas.microsoft.com/office/drawing/2014/main" id="{8FDE2C6D-8C27-4B21-8D84-08BE05BFC938}"/>
                   </a:ext>
                 </a:extLst>
               </p:cNvPr>
@@ -17629,7 +17776,7 @@
           <p:cNvPr id="9" name="Zástupný symbol obsahu 2">
             <a:extLst>
               <a:ext uri="{FF2B5EF4-FFF2-40B4-BE49-F238E27FC236}">
-                <a16:creationId xmlns:a16="http://schemas.microsoft.com/office/drawing/2014/main" xmlns="" id="{E38B7C84-740B-4E2B-A899-A8CEF3D4F74E}"/>
+                <a16:creationId xmlns="" xmlns:a16="http://schemas.microsoft.com/office/drawing/2014/main" id="{E38B7C84-740B-4E2B-A899-A8CEF3D4F74E}"/>
               </a:ext>
             </a:extLst>
           </p:cNvPr>
@@ -17675,12 +17822,20 @@
               <a:t> </a:t>
             </a:r>
             <a:r>
-              <a:rPr lang="sk-SK" dirty="0" err="1"/>
-              <a:t>spśobuje</a:t>
+              <a:rPr lang="sk-SK" dirty="0" smtClean="0"/>
+              <a:t>spôsobuje</a:t>
             </a:r>
             <a:r>
               <a:rPr lang="sk-SK" dirty="0"/>
-              <a:t>, že systém má neminimálnu fázu vďaka čomu je viditeľný záporný </a:t>
+              <a:t>, že systém má </a:t>
+            </a:r>
+            <a:r>
+              <a:rPr lang="sk-SK" u="sng" dirty="0"/>
+              <a:t>neminimálnu fázu </a:t>
+            </a:r>
+            <a:r>
+              <a:rPr lang="sk-SK" dirty="0"/>
+              <a:t>vďaka čomu je viditeľný záporný </a:t>
             </a:r>
             <a:r>
               <a:rPr lang="sk-SK" dirty="0" err="1"/>
@@ -17695,7 +17850,7 @@
           <p:cNvPr id="5" name="Obrázok 4">
             <a:extLst>
               <a:ext uri="{FF2B5EF4-FFF2-40B4-BE49-F238E27FC236}">
-                <a16:creationId xmlns:a16="http://schemas.microsoft.com/office/drawing/2014/main" xmlns="" id="{EC33EAD3-451C-47DA-9174-1BCCB911F900}"/>
+                <a16:creationId xmlns="" xmlns:a16="http://schemas.microsoft.com/office/drawing/2014/main" id="{EC33EAD3-451C-47DA-9174-1BCCB911F900}"/>
               </a:ext>
             </a:extLst>
           </p:cNvPr>
@@ -18029,36 +18184,84 @@
           <a:lstStyle/>
           <a:p>
             <a:r>
-              <a:rPr lang="sk-SK" dirty="0" err="1"/>
+              <a:rPr lang="sk-SK" dirty="0" err="1">
+                <a:solidFill>
+                  <a:schemeClr val="accent1">
+                    <a:lumMod val="75000"/>
+                  </a:schemeClr>
+                </a:solidFill>
+              </a:rPr>
               <a:t>Matlab</a:t>
             </a:r>
             <a:r>
-              <a:rPr lang="sk-SK" dirty="0"/>
+              <a:rPr lang="sk-SK" dirty="0">
+                <a:solidFill>
+                  <a:schemeClr val="accent1">
+                    <a:lumMod val="75000"/>
+                  </a:schemeClr>
+                </a:solidFill>
+              </a:rPr>
               <a:t>:</a:t>
             </a:r>
-            <a:endParaRPr lang="en-US" dirty="0"/>
+            <a:endParaRPr lang="en-US" dirty="0">
+              <a:solidFill>
+                <a:schemeClr val="accent1">
+                  <a:lumMod val="75000"/>
+                </a:schemeClr>
+              </a:solidFill>
+            </a:endParaRPr>
           </a:p>
           <a:p>
             <a:r>
-              <a:rPr lang="sk-SK" dirty="0"/>
+              <a:rPr lang="sk-SK" dirty="0">
+                <a:solidFill>
+                  <a:schemeClr val="accent1">
+                    <a:lumMod val="75000"/>
+                  </a:schemeClr>
+                </a:solidFill>
+              </a:rPr>
               <a:t>F=</a:t>
             </a:r>
             <a:r>
-              <a:rPr lang="sk-SK" dirty="0" err="1"/>
+              <a:rPr lang="sk-SK" dirty="0" err="1">
+                <a:solidFill>
+                  <a:schemeClr val="accent1">
+                    <a:lumMod val="75000"/>
+                  </a:schemeClr>
+                </a:solidFill>
+              </a:rPr>
               <a:t>tf</a:t>
             </a:r>
             <a:r>
-              <a:rPr lang="sk-SK" dirty="0"/>
+              <a:rPr lang="sk-SK" dirty="0">
+                <a:solidFill>
+                  <a:schemeClr val="accent1">
+                    <a:lumMod val="75000"/>
+                  </a:schemeClr>
+                </a:solidFill>
+              </a:rPr>
               <a:t>([1],[2,2,1]);</a:t>
             </a:r>
           </a:p>
           <a:p>
             <a:r>
-              <a:rPr lang="sk-SK" dirty="0" err="1"/>
+              <a:rPr lang="sk-SK" dirty="0" err="1">
+                <a:solidFill>
+                  <a:schemeClr val="accent1">
+                    <a:lumMod val="75000"/>
+                  </a:schemeClr>
+                </a:solidFill>
+              </a:rPr>
               <a:t>impulse</a:t>
             </a:r>
             <a:r>
-              <a:rPr lang="sk-SK" dirty="0"/>
+              <a:rPr lang="sk-SK" dirty="0">
+                <a:solidFill>
+                  <a:schemeClr val="accent1">
+                    <a:lumMod val="75000"/>
+                  </a:schemeClr>
+                </a:solidFill>
+              </a:rPr>
               <a:t>(F);</a:t>
             </a:r>
           </a:p>
@@ -18836,36 +19039,84 @@
           <a:lstStyle/>
           <a:p>
             <a:r>
-              <a:rPr lang="sk-SK" dirty="0" err="1"/>
+              <a:rPr lang="sk-SK" dirty="0" err="1">
+                <a:solidFill>
+                  <a:schemeClr val="accent1">
+                    <a:lumMod val="75000"/>
+                  </a:schemeClr>
+                </a:solidFill>
+              </a:rPr>
               <a:t>Matlab</a:t>
             </a:r>
             <a:r>
-              <a:rPr lang="sk-SK" dirty="0"/>
+              <a:rPr lang="sk-SK" dirty="0">
+                <a:solidFill>
+                  <a:schemeClr val="accent1">
+                    <a:lumMod val="75000"/>
+                  </a:schemeClr>
+                </a:solidFill>
+              </a:rPr>
               <a:t>:</a:t>
             </a:r>
-            <a:endParaRPr lang="en-US" dirty="0"/>
+            <a:endParaRPr lang="en-US" dirty="0">
+              <a:solidFill>
+                <a:schemeClr val="accent1">
+                  <a:lumMod val="75000"/>
+                </a:schemeClr>
+              </a:solidFill>
+            </a:endParaRPr>
           </a:p>
           <a:p>
             <a:r>
-              <a:rPr lang="sk-SK" dirty="0"/>
+              <a:rPr lang="sk-SK" dirty="0">
+                <a:solidFill>
+                  <a:schemeClr val="accent1">
+                    <a:lumMod val="75000"/>
+                  </a:schemeClr>
+                </a:solidFill>
+              </a:rPr>
               <a:t>F=</a:t>
             </a:r>
             <a:r>
-              <a:rPr lang="sk-SK" dirty="0" err="1"/>
+              <a:rPr lang="sk-SK" dirty="0" err="1">
+                <a:solidFill>
+                  <a:schemeClr val="accent1">
+                    <a:lumMod val="75000"/>
+                  </a:schemeClr>
+                </a:solidFill>
+              </a:rPr>
               <a:t>tf</a:t>
             </a:r>
             <a:r>
-              <a:rPr lang="sk-SK" dirty="0"/>
+              <a:rPr lang="sk-SK" dirty="0">
+                <a:solidFill>
+                  <a:schemeClr val="accent1">
+                    <a:lumMod val="75000"/>
+                  </a:schemeClr>
+                </a:solidFill>
+              </a:rPr>
               <a:t>([1],[2,2,1]);</a:t>
             </a:r>
           </a:p>
           <a:p>
             <a:r>
-              <a:rPr lang="en-US" dirty="0"/>
+              <a:rPr lang="en-US" dirty="0">
+                <a:solidFill>
+                  <a:schemeClr val="accent1">
+                    <a:lumMod val="75000"/>
+                  </a:schemeClr>
+                </a:solidFill>
+              </a:rPr>
               <a:t>step</a:t>
             </a:r>
             <a:r>
-              <a:rPr lang="sk-SK" dirty="0"/>
+              <a:rPr lang="sk-SK" dirty="0">
+                <a:solidFill>
+                  <a:schemeClr val="accent1">
+                    <a:lumMod val="75000"/>
+                  </a:schemeClr>
+                </a:solidFill>
+              </a:rPr>
               <a:t>(F);</a:t>
             </a:r>
           </a:p>
@@ -19011,7 +19262,7 @@
                 </a:r>
                 <a:r>
                   <a:rPr lang="sk-SK" dirty="0" smtClean="0"/>
-                  <a:t>zisti </a:t>
+                  <a:t>zistiť </a:t>
                 </a:r>
                 <a:r>
                   <a:rPr lang="sk-SK" dirty="0"/>
@@ -19505,11 +19756,7 @@
             </a:r>
             <a:r>
               <a:rPr lang="sk-SK" dirty="0" smtClean="0"/>
-              <a:t>charakteristika </a:t>
-            </a:r>
-            <a:r>
-              <a:rPr lang="sk-SK" dirty="0" smtClean="0"/>
-              <a:t>– príklad kyvadlo</a:t>
+              <a:t>charakteristika – príklad kyvadlo</a:t>
             </a:r>
             <a:endParaRPr lang="sk-SK" dirty="0"/>
           </a:p>
@@ -20050,14 +20297,14 @@
           </a:p>
         </p:txBody>
       </p:sp>
-      <mc:AlternateContent xmlns:mc="http://schemas.openxmlformats.org/markup-compatibility/2006">
-        <mc:Choice xmlns:a14="http://schemas.microsoft.com/office/drawing/2010/main" Requires="a14">
+      <mc:AlternateContent xmlns:mc="http://schemas.openxmlformats.org/markup-compatibility/2006" xmlns:a14="http://schemas.microsoft.com/office/drawing/2010/main">
+        <mc:Choice Requires="a14">
           <p:sp>
             <p:nvSpPr>
               <p:cNvPr id="9" name="Obdĺžnik 8">
                 <a:extLst>
                   <a:ext uri="{FF2B5EF4-FFF2-40B4-BE49-F238E27FC236}">
-                    <a16:creationId xmlns:a16="http://schemas.microsoft.com/office/drawing/2014/main" xmlns="" id="{EDD33CF9-5C03-4868-97EB-2139F2CE2F88}"/>
+                    <a16:creationId xmlns="" xmlns:a16="http://schemas.microsoft.com/office/drawing/2014/main" id="{EDD33CF9-5C03-4868-97EB-2139F2CE2F88}"/>
                   </a:ext>
                 </a:extLst>
               </p:cNvPr>
@@ -20276,7 +20523,7 @@
             </p:txBody>
           </p:sp>
         </mc:Choice>
-        <mc:Fallback>
+        <mc:Fallback xmlns="">
           <p:sp>
             <p:nvSpPr>
               <p:cNvPr id="9" name="Obdĺžnik 8">
@@ -20326,7 +20573,7 @@
           <p:cNvPr id="13" name="Obrázok 12">
             <a:extLst>
               <a:ext uri="{FF2B5EF4-FFF2-40B4-BE49-F238E27FC236}">
-                <a16:creationId xmlns:a16="http://schemas.microsoft.com/office/drawing/2014/main" xmlns="" id="{39E30EDE-A5EA-4BA4-A6DD-F99B3B5B84B6}"/>
+                <a16:creationId xmlns="" xmlns:a16="http://schemas.microsoft.com/office/drawing/2014/main" id="{39E30EDE-A5EA-4BA4-A6DD-F99B3B5B84B6}"/>
               </a:ext>
             </a:extLst>
           </p:cNvPr>
@@ -20362,7 +20609,7 @@
           <p:cNvPr id="15" name="Obrázok 14">
             <a:extLst>
               <a:ext uri="{FF2B5EF4-FFF2-40B4-BE49-F238E27FC236}">
-                <a16:creationId xmlns:a16="http://schemas.microsoft.com/office/drawing/2014/main" xmlns="" id="{8245BE5D-5938-4CAB-B81F-F028BD50AD5A}"/>
+                <a16:creationId xmlns="" xmlns:a16="http://schemas.microsoft.com/office/drawing/2014/main" id="{8245BE5D-5938-4CAB-B81F-F028BD50AD5A}"/>
               </a:ext>
             </a:extLst>
           </p:cNvPr>
